--- a/PRD-2017-G24/STW/非受控文件/翻转课堂作业/UML基础2：界面原型/UML基础Ⅱ：界面原型.pptx
+++ b/PRD-2017-G24/STW/非受控文件/翻转课堂作业/UML基础2：界面原型/UML基础Ⅱ：界面原型.pptx
@@ -26,9 +26,9 @@
     <p:sldId id="310" r:id="rId17"/>
     <p:sldId id="312" r:id="rId18"/>
     <p:sldId id="313" r:id="rId19"/>
-    <p:sldId id="271" r:id="rId20"/>
-    <p:sldId id="272" r:id="rId21"/>
-    <p:sldId id="273" r:id="rId22"/>
+    <p:sldId id="316" r:id="rId20"/>
+    <p:sldId id="271" r:id="rId21"/>
+    <p:sldId id="315" r:id="rId22"/>
   </p:sldIdLst>
   <p:sldSz cx="12192000" cy="6858000"/>
   <p:notesSz cx="6858000" cy="9144000"/>
@@ -919,15 +919,15 @@
         <a:lstStyle/>
         <a:p>
           <a:r>
-            <a:rPr lang="en-US" altLang="zh-CN" dirty="0" smtClean="0"/>
+            <a:rPr lang="en-US" altLang="zh-CN" dirty="0"/>
             <a:t>3</a:t>
           </a:r>
           <a:r>
-            <a:rPr lang="zh-CN" dirty="0" smtClean="0"/>
+            <a:rPr lang="zh-CN" dirty="0"/>
             <a:t>．</a:t>
           </a:r>
           <a:r>
-            <a:rPr lang="zh-CN" altLang="en-US" dirty="0" smtClean="0"/>
+            <a:rPr lang="zh-CN" altLang="en-US" dirty="0"/>
             <a:t>原型</a:t>
           </a:r>
           <a:endParaRPr lang="en-US" dirty="0"/>
@@ -964,15 +964,15 @@
         <a:lstStyle/>
         <a:p>
           <a:r>
-            <a:rPr lang="en-US" altLang="zh-CN" dirty="0" smtClean="0"/>
+            <a:rPr lang="en-US" altLang="zh-CN" dirty="0"/>
             <a:t>4</a:t>
           </a:r>
           <a:r>
-            <a:rPr lang="zh-CN" dirty="0" smtClean="0"/>
+            <a:rPr lang="zh-CN" dirty="0"/>
             <a:t>．</a:t>
           </a:r>
           <a:r>
-            <a:rPr lang="zh-CN" altLang="en-US" dirty="0" smtClean="0"/>
+            <a:rPr lang="zh-CN" altLang="en-US" dirty="0"/>
             <a:t>时机</a:t>
           </a:r>
           <a:endParaRPr lang="en-US" dirty="0"/>
@@ -1009,23 +1009,23 @@
         <a:lstStyle/>
         <a:p>
           <a:r>
-            <a:rPr lang="en-US" altLang="zh-CN" dirty="0" smtClean="0"/>
+            <a:rPr lang="en-US" altLang="zh-CN" dirty="0"/>
             <a:t>5</a:t>
           </a:r>
           <a:r>
-            <a:rPr lang="zh-CN" dirty="0" smtClean="0"/>
+            <a:rPr lang="zh-CN" dirty="0"/>
             <a:t>．</a:t>
           </a:r>
           <a:r>
-            <a:rPr lang="zh-CN" altLang="en-US" dirty="0" smtClean="0"/>
+            <a:rPr lang="zh-CN" altLang="en-US" dirty="0"/>
             <a:t>工具：</a:t>
           </a:r>
           <a:r>
-            <a:rPr lang="en-US" altLang="zh-CN" dirty="0" err="1" smtClean="0"/>
+            <a:rPr lang="en-US" altLang="zh-CN" dirty="0" err="1"/>
             <a:t>Axure</a:t>
           </a:r>
           <a:r>
-            <a:rPr lang="en-US" altLang="zh-CN" dirty="0" smtClean="0"/>
+            <a:rPr lang="en-US" altLang="zh-CN" dirty="0"/>
             <a:t> RP8</a:t>
           </a:r>
           <a:endParaRPr lang="en-US" dirty="0"/>
@@ -1062,15 +1062,15 @@
         <a:lstStyle/>
         <a:p>
           <a:r>
-            <a:rPr lang="en-US" altLang="zh-CN" dirty="0" smtClean="0"/>
+            <a:rPr lang="en-US" altLang="zh-CN" dirty="0"/>
             <a:t>6</a:t>
           </a:r>
           <a:r>
-            <a:rPr lang="zh-CN" dirty="0" smtClean="0"/>
+            <a:rPr lang="zh-CN" dirty="0"/>
             <a:t>．</a:t>
           </a:r>
           <a:r>
-            <a:rPr lang="zh-CN" altLang="en-US" dirty="0" smtClean="0"/>
+            <a:rPr lang="zh-CN" altLang="en-US" dirty="0"/>
             <a:t>原型界面与交互</a:t>
           </a:r>
           <a:endParaRPr lang="en-US" dirty="0"/>
@@ -1107,19 +1107,19 @@
         <a:lstStyle/>
         <a:p>
           <a:r>
-            <a:rPr lang="en-US" altLang="zh-CN" dirty="0" smtClean="0"/>
+            <a:rPr lang="en-US" altLang="zh-CN" dirty="0"/>
             <a:t>7</a:t>
           </a:r>
           <a:r>
-            <a:rPr lang="zh-CN" dirty="0" smtClean="0"/>
+            <a:rPr lang="zh-CN" dirty="0"/>
             <a:t>．</a:t>
           </a:r>
           <a:r>
-            <a:rPr lang="zh-CN" altLang="en-US" dirty="0" smtClean="0"/>
+            <a:rPr lang="zh-CN" altLang="en-US" dirty="0"/>
             <a:t>交互过程</a:t>
           </a:r>
           <a:r>
-            <a:rPr lang="zh-CN" altLang="en-US" smtClean="0"/>
+            <a:rPr lang="zh-CN" altLang="en-US"/>
             <a:t>三要素</a:t>
           </a:r>
           <a:endParaRPr lang="en-US" dirty="0"/>
@@ -1156,15 +1156,15 @@
         <a:lstStyle/>
         <a:p>
           <a:r>
-            <a:rPr lang="en-US" altLang="zh-CN" dirty="0" smtClean="0"/>
+            <a:rPr lang="en-US" altLang="zh-CN" dirty="0"/>
             <a:t>1</a:t>
           </a:r>
           <a:r>
-            <a:rPr lang="zh-CN" dirty="0" smtClean="0"/>
+            <a:rPr lang="zh-CN" dirty="0"/>
             <a:t>．</a:t>
           </a:r>
           <a:r>
-            <a:rPr lang="zh-CN" altLang="en-US" dirty="0" smtClean="0"/>
+            <a:rPr lang="zh-CN" altLang="en-US" dirty="0"/>
             <a:t>简介</a:t>
           </a:r>
           <a:endParaRPr lang="en-US" dirty="0"/>
@@ -1201,15 +1201,15 @@
         <a:lstStyle/>
         <a:p>
           <a:r>
-            <a:rPr lang="en-US" altLang="zh-CN" dirty="0" smtClean="0"/>
+            <a:rPr lang="en-US" altLang="zh-CN" dirty="0"/>
             <a:t>2</a:t>
           </a:r>
           <a:r>
-            <a:rPr lang="zh-CN" dirty="0" smtClean="0"/>
+            <a:rPr lang="zh-CN" dirty="0"/>
             <a:t>．</a:t>
           </a:r>
           <a:r>
-            <a:rPr lang="zh-CN" altLang="en-US" dirty="0" smtClean="0"/>
+            <a:rPr lang="zh-CN" altLang="en-US" dirty="0"/>
             <a:t>对象</a:t>
           </a:r>
           <a:endParaRPr lang="en-US" dirty="0"/>
@@ -1247,13 +1247,6 @@
         </dgm:presLayoutVars>
       </dgm:prSet>
       <dgm:spPr/>
-      <dgm:t>
-        <a:bodyPr/>
-        <a:lstStyle/>
-        <a:p>
-          <a:endParaRPr lang="zh-CN" altLang="en-US"/>
-        </a:p>
-      </dgm:t>
     </dgm:pt>
     <dgm:pt modelId="{DF0B91BF-B4CA-4353-8D74-953111AFF567}" type="pres">
       <dgm:prSet presAssocID="{F4D98294-6926-4BC8-9678-4AE0179FD98D}" presName="thickLine" presStyleLbl="alignNode1" presStyleIdx="0" presStyleCnt="7"/>
@@ -1266,13 +1259,6 @@
     <dgm:pt modelId="{BB3D9FB9-476E-49C0-B80D-9BE2F7650722}" type="pres">
       <dgm:prSet presAssocID="{F4D98294-6926-4BC8-9678-4AE0179FD98D}" presName="tx1" presStyleLbl="revTx" presStyleIdx="0" presStyleCnt="7"/>
       <dgm:spPr/>
-      <dgm:t>
-        <a:bodyPr/>
-        <a:lstStyle/>
-        <a:p>
-          <a:endParaRPr lang="zh-CN" altLang="en-US"/>
-        </a:p>
-      </dgm:t>
     </dgm:pt>
     <dgm:pt modelId="{D99806E3-20C1-4E7F-8374-0210A0C1A8AE}" type="pres">
       <dgm:prSet presAssocID="{F4D98294-6926-4BC8-9678-4AE0179FD98D}" presName="vert1" presStyleCnt="0"/>
@@ -1289,13 +1275,6 @@
     <dgm:pt modelId="{4115A148-7C9F-4251-95F8-2A051B52D5AC}" type="pres">
       <dgm:prSet presAssocID="{F26DE089-A9FD-4546-96AF-71432FD40C75}" presName="tx1" presStyleLbl="revTx" presStyleIdx="1" presStyleCnt="7"/>
       <dgm:spPr/>
-      <dgm:t>
-        <a:bodyPr/>
-        <a:lstStyle/>
-        <a:p>
-          <a:endParaRPr lang="zh-CN" altLang="en-US"/>
-        </a:p>
-      </dgm:t>
     </dgm:pt>
     <dgm:pt modelId="{394814FA-CDAF-4CC8-8109-62E7A5FA331D}" type="pres">
       <dgm:prSet presAssocID="{F26DE089-A9FD-4546-96AF-71432FD40C75}" presName="vert1" presStyleCnt="0"/>
@@ -1312,13 +1291,6 @@
     <dgm:pt modelId="{CF187C55-D274-4C80-A81A-7C74892EF144}" type="pres">
       <dgm:prSet presAssocID="{CBCE7A0C-1162-4DD8-8348-0E467EC325E0}" presName="tx1" presStyleLbl="revTx" presStyleIdx="2" presStyleCnt="7"/>
       <dgm:spPr/>
-      <dgm:t>
-        <a:bodyPr/>
-        <a:lstStyle/>
-        <a:p>
-          <a:endParaRPr lang="zh-CN" altLang="en-US"/>
-        </a:p>
-      </dgm:t>
     </dgm:pt>
     <dgm:pt modelId="{6B0C92B1-B619-46DC-9D61-064133EACD45}" type="pres">
       <dgm:prSet presAssocID="{CBCE7A0C-1162-4DD8-8348-0E467EC325E0}" presName="vert1" presStyleCnt="0"/>
@@ -1335,13 +1307,6 @@
     <dgm:pt modelId="{6D455BFA-CC98-472A-BB95-E26F8322A529}" type="pres">
       <dgm:prSet presAssocID="{390B9C77-7995-4357-AF04-9565041C9BF1}" presName="tx1" presStyleLbl="revTx" presStyleIdx="3" presStyleCnt="7"/>
       <dgm:spPr/>
-      <dgm:t>
-        <a:bodyPr/>
-        <a:lstStyle/>
-        <a:p>
-          <a:endParaRPr lang="zh-CN" altLang="en-US"/>
-        </a:p>
-      </dgm:t>
     </dgm:pt>
     <dgm:pt modelId="{6566A669-B31A-4342-B2F2-E8D66C00D8D2}" type="pres">
       <dgm:prSet presAssocID="{390B9C77-7995-4357-AF04-9565041C9BF1}" presName="vert1" presStyleCnt="0"/>
@@ -1358,13 +1323,6 @@
     <dgm:pt modelId="{733AD6BA-9EF6-487F-AE39-A6AB87079B67}" type="pres">
       <dgm:prSet presAssocID="{141B5341-4F8F-4B74-854E-A5FBA43D6D1E}" presName="tx1" presStyleLbl="revTx" presStyleIdx="4" presStyleCnt="7"/>
       <dgm:spPr/>
-      <dgm:t>
-        <a:bodyPr/>
-        <a:lstStyle/>
-        <a:p>
-          <a:endParaRPr lang="zh-CN" altLang="en-US"/>
-        </a:p>
-      </dgm:t>
     </dgm:pt>
     <dgm:pt modelId="{5F0C84B1-2009-464B-89D6-B90556266101}" type="pres">
       <dgm:prSet presAssocID="{141B5341-4F8F-4B74-854E-A5FBA43D6D1E}" presName="vert1" presStyleCnt="0"/>
@@ -1381,13 +1339,6 @@
     <dgm:pt modelId="{5FA7A339-4A97-496A-811A-E073C481D698}" type="pres">
       <dgm:prSet presAssocID="{CCBF378A-153E-4EE5-8F0A-8A5FB34A66CF}" presName="tx1" presStyleLbl="revTx" presStyleIdx="5" presStyleCnt="7"/>
       <dgm:spPr/>
-      <dgm:t>
-        <a:bodyPr/>
-        <a:lstStyle/>
-        <a:p>
-          <a:endParaRPr lang="zh-CN" altLang="en-US"/>
-        </a:p>
-      </dgm:t>
     </dgm:pt>
     <dgm:pt modelId="{94EA072E-AF86-4199-8755-931C99D3C01E}" type="pres">
       <dgm:prSet presAssocID="{CCBF378A-153E-4EE5-8F0A-8A5FB34A66CF}" presName="vert1" presStyleCnt="0"/>
@@ -1404,13 +1355,6 @@
     <dgm:pt modelId="{70DB64B1-1FDF-4B2A-AAEF-DB1E97CA5440}" type="pres">
       <dgm:prSet presAssocID="{DC329E2D-99D5-4712-80C4-E56DE34ADE60}" presName="tx1" presStyleLbl="revTx" presStyleIdx="6" presStyleCnt="7"/>
       <dgm:spPr/>
-      <dgm:t>
-        <a:bodyPr/>
-        <a:lstStyle/>
-        <a:p>
-          <a:endParaRPr lang="zh-CN" altLang="en-US"/>
-        </a:p>
-      </dgm:t>
     </dgm:pt>
     <dgm:pt modelId="{89E29417-B34E-4F3C-A6EB-3901844FD1F3}" type="pres">
       <dgm:prSet presAssocID="{DC329E2D-99D5-4712-80C4-E56DE34ADE60}" presName="vert1" presStyleCnt="0"/>
@@ -1419,20 +1363,20 @@
   </dgm:ptLst>
   <dgm:cxnLst>
     <dgm:cxn modelId="{A1E9C406-5962-4320-B454-170FCB50286F}" type="presOf" srcId="{CCBF378A-153E-4EE5-8F0A-8A5FB34A66CF}" destId="{5FA7A339-4A97-496A-811A-E073C481D698}" srcOrd="0" destOrd="0" presId="urn:microsoft.com/office/officeart/2008/layout/LinedList"/>
-    <dgm:cxn modelId="{A87C39E1-E138-40B9-8A97-77B92E5EBC22}" type="presOf" srcId="{F4D98294-6926-4BC8-9678-4AE0179FD98D}" destId="{BB3D9FB9-476E-49C0-B80D-9BE2F7650722}" srcOrd="0" destOrd="0" presId="urn:microsoft.com/office/officeart/2008/layout/LinedList"/>
-    <dgm:cxn modelId="{9D1D5B72-D290-471A-8897-4FC88C2E5D23}" srcId="{61344293-A1DE-4EC5-9A38-FAB9B9B4968C}" destId="{DC329E2D-99D5-4712-80C4-E56DE34ADE60}" srcOrd="6" destOrd="0" parTransId="{172F1330-ECEA-4AAE-A8A5-2AD1BB8F7FCC}" sibTransId="{6037AFAA-A079-4470-8AF5-855447CE326F}"/>
-    <dgm:cxn modelId="{0EDCF550-DA4A-4A70-A9D9-2D3A3C531AD5}" type="presOf" srcId="{F26DE089-A9FD-4546-96AF-71432FD40C75}" destId="{4115A148-7C9F-4251-95F8-2A051B52D5AC}" srcOrd="0" destOrd="0" presId="urn:microsoft.com/office/officeart/2008/layout/LinedList"/>
-    <dgm:cxn modelId="{2B747639-0EB3-4CA8-8B46-A220149A240C}" type="presOf" srcId="{CBCE7A0C-1162-4DD8-8348-0E467EC325E0}" destId="{CF187C55-D274-4C80-A81A-7C74892EF144}" srcOrd="0" destOrd="0" presId="urn:microsoft.com/office/officeart/2008/layout/LinedList"/>
-    <dgm:cxn modelId="{C2A4E7D5-0E91-4BC3-A55C-316FB74A93F5}" type="presOf" srcId="{390B9C77-7995-4357-AF04-9565041C9BF1}" destId="{6D455BFA-CC98-472A-BB95-E26F8322A529}" srcOrd="0" destOrd="0" presId="urn:microsoft.com/office/officeart/2008/layout/LinedList"/>
-    <dgm:cxn modelId="{9AAF5E9C-861F-4034-AF38-50013636D891}" type="presOf" srcId="{DC329E2D-99D5-4712-80C4-E56DE34ADE60}" destId="{70DB64B1-1FDF-4B2A-AAEF-DB1E97CA5440}" srcOrd="0" destOrd="0" presId="urn:microsoft.com/office/officeart/2008/layout/LinedList"/>
-    <dgm:cxn modelId="{6F74CE48-579E-431D-9583-58A5F2ED3C85}" srcId="{61344293-A1DE-4EC5-9A38-FAB9B9B4968C}" destId="{F26DE089-A9FD-4546-96AF-71432FD40C75}" srcOrd="1" destOrd="0" parTransId="{1A63B470-973A-4426-A553-6A92D4588D20}" sibTransId="{F05992B1-9FD4-41E0-8709-1F3CDB8109B3}"/>
-    <dgm:cxn modelId="{A3534A96-073A-43CA-A326-8B12EE142B3F}" type="presOf" srcId="{141B5341-4F8F-4B74-854E-A5FBA43D6D1E}" destId="{733AD6BA-9EF6-487F-AE39-A6AB87079B67}" srcOrd="0" destOrd="0" presId="urn:microsoft.com/office/officeart/2008/layout/LinedList"/>
-    <dgm:cxn modelId="{FC96EF33-F0CD-420E-9A7B-30F9B6896026}" srcId="{61344293-A1DE-4EC5-9A38-FAB9B9B4968C}" destId="{F4D98294-6926-4BC8-9678-4AE0179FD98D}" srcOrd="0" destOrd="0" parTransId="{A14163C1-0CF1-4D38-B620-EB744E35794C}" sibTransId="{3796F5A7-8CBE-40D5-9D1D-9C0979F64A9C}"/>
     <dgm:cxn modelId="{25EC110C-6EF6-4C65-80E0-1871BBCC94F3}" srcId="{61344293-A1DE-4EC5-9A38-FAB9B9B4968C}" destId="{390B9C77-7995-4357-AF04-9565041C9BF1}" srcOrd="3" destOrd="0" parTransId="{EE403F8B-8568-4987-80D7-7FB2D18D7D16}" sibTransId="{290EC355-F468-41D9-90C5-D907CF21D967}"/>
     <dgm:cxn modelId="{D51ECB21-5218-49D4-980D-D86570A78CC9}" srcId="{61344293-A1DE-4EC5-9A38-FAB9B9B4968C}" destId="{141B5341-4F8F-4B74-854E-A5FBA43D6D1E}" srcOrd="4" destOrd="0" parTransId="{856EFA81-5ECF-4D6F-A8FF-5EA95BCEAF47}" sibTransId="{7A5DD433-F8FE-43BF-B663-090CAB808284}"/>
+    <dgm:cxn modelId="{FC96EF33-F0CD-420E-9A7B-30F9B6896026}" srcId="{61344293-A1DE-4EC5-9A38-FAB9B9B4968C}" destId="{F4D98294-6926-4BC8-9678-4AE0179FD98D}" srcOrd="0" destOrd="0" parTransId="{A14163C1-0CF1-4D38-B620-EB744E35794C}" sibTransId="{3796F5A7-8CBE-40D5-9D1D-9C0979F64A9C}"/>
+    <dgm:cxn modelId="{2B747639-0EB3-4CA8-8B46-A220149A240C}" type="presOf" srcId="{CBCE7A0C-1162-4DD8-8348-0E467EC325E0}" destId="{CF187C55-D274-4C80-A81A-7C74892EF144}" srcOrd="0" destOrd="0" presId="urn:microsoft.com/office/officeart/2008/layout/LinedList"/>
+    <dgm:cxn modelId="{6F74CE48-579E-431D-9583-58A5F2ED3C85}" srcId="{61344293-A1DE-4EC5-9A38-FAB9B9B4968C}" destId="{F26DE089-A9FD-4546-96AF-71432FD40C75}" srcOrd="1" destOrd="0" parTransId="{1A63B470-973A-4426-A553-6A92D4588D20}" sibTransId="{F05992B1-9FD4-41E0-8709-1F3CDB8109B3}"/>
+    <dgm:cxn modelId="{33D50369-788E-49A7-8974-C3AD880B79B4}" type="presOf" srcId="{61344293-A1DE-4EC5-9A38-FAB9B9B4968C}" destId="{16C4A9B8-6EFE-4EE6-A024-B6B528189985}" srcOrd="0" destOrd="0" presId="urn:microsoft.com/office/officeart/2008/layout/LinedList"/>
+    <dgm:cxn modelId="{0EDCF550-DA4A-4A70-A9D9-2D3A3C531AD5}" type="presOf" srcId="{F26DE089-A9FD-4546-96AF-71432FD40C75}" destId="{4115A148-7C9F-4251-95F8-2A051B52D5AC}" srcOrd="0" destOrd="0" presId="urn:microsoft.com/office/officeart/2008/layout/LinedList"/>
+    <dgm:cxn modelId="{9D1D5B72-D290-471A-8897-4FC88C2E5D23}" srcId="{61344293-A1DE-4EC5-9A38-FAB9B9B4968C}" destId="{DC329E2D-99D5-4712-80C4-E56DE34ADE60}" srcOrd="6" destOrd="0" parTransId="{172F1330-ECEA-4AAE-A8A5-2AD1BB8F7FCC}" sibTransId="{6037AFAA-A079-4470-8AF5-855447CE326F}"/>
+    <dgm:cxn modelId="{A3534A96-073A-43CA-A326-8B12EE142B3F}" type="presOf" srcId="{141B5341-4F8F-4B74-854E-A5FBA43D6D1E}" destId="{733AD6BA-9EF6-487F-AE39-A6AB87079B67}" srcOrd="0" destOrd="0" presId="urn:microsoft.com/office/officeart/2008/layout/LinedList"/>
+    <dgm:cxn modelId="{9AAF5E9C-861F-4034-AF38-50013636D891}" type="presOf" srcId="{DC329E2D-99D5-4712-80C4-E56DE34ADE60}" destId="{70DB64B1-1FDF-4B2A-AAEF-DB1E97CA5440}" srcOrd="0" destOrd="0" presId="urn:microsoft.com/office/officeart/2008/layout/LinedList"/>
     <dgm:cxn modelId="{97F1CCC4-1B19-4070-8C49-D818B7D503A3}" srcId="{61344293-A1DE-4EC5-9A38-FAB9B9B4968C}" destId="{CBCE7A0C-1162-4DD8-8348-0E467EC325E0}" srcOrd="2" destOrd="0" parTransId="{041D4F31-93BC-4168-A092-8AACF0FAE0A1}" sibTransId="{932E490C-516F-4D6F-9F44-B7FE8A9CCDAD}"/>
+    <dgm:cxn modelId="{C2A4E7D5-0E91-4BC3-A55C-316FB74A93F5}" type="presOf" srcId="{390B9C77-7995-4357-AF04-9565041C9BF1}" destId="{6D455BFA-CC98-472A-BB95-E26F8322A529}" srcOrd="0" destOrd="0" presId="urn:microsoft.com/office/officeart/2008/layout/LinedList"/>
+    <dgm:cxn modelId="{A87C39E1-E138-40B9-8A97-77B92E5EBC22}" type="presOf" srcId="{F4D98294-6926-4BC8-9678-4AE0179FD98D}" destId="{BB3D9FB9-476E-49C0-B80D-9BE2F7650722}" srcOrd="0" destOrd="0" presId="urn:microsoft.com/office/officeart/2008/layout/LinedList"/>
     <dgm:cxn modelId="{FE4AB9E9-E8CD-45A8-A66A-2B24B34DB8B8}" srcId="{61344293-A1DE-4EC5-9A38-FAB9B9B4968C}" destId="{CCBF378A-153E-4EE5-8F0A-8A5FB34A66CF}" srcOrd="5" destOrd="0" parTransId="{CFEDB66F-5D05-479D-9B96-995EF1DCE1BF}" sibTransId="{B2BFBAE4-F714-46AB-8531-6F5C54896404}"/>
-    <dgm:cxn modelId="{33D50369-788E-49A7-8974-C3AD880B79B4}" type="presOf" srcId="{61344293-A1DE-4EC5-9A38-FAB9B9B4968C}" destId="{16C4A9B8-6EFE-4EE6-A024-B6B528189985}" srcOrd="0" destOrd="0" presId="urn:microsoft.com/office/officeart/2008/layout/LinedList"/>
     <dgm:cxn modelId="{6755B114-8B9A-4BC7-BE95-48D8663E8F8A}" type="presParOf" srcId="{16C4A9B8-6EFE-4EE6-A024-B6B528189985}" destId="{DF0B91BF-B4CA-4353-8D74-953111AFF567}" srcOrd="0" destOrd="0" presId="urn:microsoft.com/office/officeart/2008/layout/LinedList"/>
     <dgm:cxn modelId="{40F00D5A-E3AA-4075-97C8-74F49B80CB17}" type="presParOf" srcId="{16C4A9B8-6EFE-4EE6-A024-B6B528189985}" destId="{A98FBA0E-0CB2-4998-B8F8-C375C5C16B25}" srcOrd="1" destOrd="0" presId="urn:microsoft.com/office/officeart/2008/layout/LinedList"/>
     <dgm:cxn modelId="{EB78836B-2E24-43CB-A254-DEDD5916F42B}" type="presParOf" srcId="{A98FBA0E-0CB2-4998-B8F8-C375C5C16B25}" destId="{BB3D9FB9-476E-49C0-B80D-9BE2F7650722}" srcOrd="0" destOrd="0" presId="urn:microsoft.com/office/officeart/2008/layout/LinedList"/>
@@ -1581,7 +1525,7 @@
         </a:bodyPr>
         <a:lstStyle/>
         <a:p>
-          <a:pPr lvl="0" algn="l" defTabSz="1555750">
+          <a:pPr marL="0" lvl="0" indent="0" algn="l" defTabSz="1555750">
             <a:lnSpc>
               <a:spcPct val="90000"/>
             </a:lnSpc>
@@ -1591,17 +1535,18 @@
             <a:spcAft>
               <a:spcPct val="35000"/>
             </a:spcAft>
+            <a:buNone/>
           </a:pPr>
           <a:r>
-            <a:rPr lang="en-US" altLang="zh-CN" sz="3500" kern="1200" dirty="0" smtClean="0"/>
+            <a:rPr lang="en-US" altLang="zh-CN" sz="3500" kern="1200" dirty="0"/>
             <a:t>1</a:t>
           </a:r>
           <a:r>
-            <a:rPr lang="zh-CN" sz="3500" kern="1200" dirty="0" smtClean="0"/>
+            <a:rPr lang="zh-CN" sz="3500" kern="1200" dirty="0"/>
             <a:t>．</a:t>
           </a:r>
           <a:r>
-            <a:rPr lang="zh-CN" altLang="en-US" sz="3500" kern="1200" dirty="0" smtClean="0"/>
+            <a:rPr lang="zh-CN" altLang="en-US" sz="3500" kern="1200" dirty="0"/>
             <a:t>简介</a:t>
           </a:r>
           <a:endParaRPr lang="en-US" sz="3500" kern="1200" dirty="0"/>
@@ -1713,7 +1658,7 @@
         </a:bodyPr>
         <a:lstStyle/>
         <a:p>
-          <a:pPr lvl="0" algn="l" defTabSz="1555750">
+          <a:pPr marL="0" lvl="0" indent="0" algn="l" defTabSz="1555750">
             <a:lnSpc>
               <a:spcPct val="90000"/>
             </a:lnSpc>
@@ -1723,17 +1668,18 @@
             <a:spcAft>
               <a:spcPct val="35000"/>
             </a:spcAft>
+            <a:buNone/>
           </a:pPr>
           <a:r>
-            <a:rPr lang="en-US" altLang="zh-CN" sz="3500" kern="1200" dirty="0" smtClean="0"/>
+            <a:rPr lang="en-US" altLang="zh-CN" sz="3500" kern="1200" dirty="0"/>
             <a:t>2</a:t>
           </a:r>
           <a:r>
-            <a:rPr lang="zh-CN" sz="3500" kern="1200" dirty="0" smtClean="0"/>
+            <a:rPr lang="zh-CN" sz="3500" kern="1200" dirty="0"/>
             <a:t>．</a:t>
           </a:r>
           <a:r>
-            <a:rPr lang="zh-CN" altLang="en-US" sz="3500" kern="1200" dirty="0" smtClean="0"/>
+            <a:rPr lang="zh-CN" altLang="en-US" sz="3500" kern="1200" dirty="0"/>
             <a:t>对象</a:t>
           </a:r>
           <a:endParaRPr lang="en-US" sz="3500" kern="1200" dirty="0"/>
@@ -1845,7 +1791,7 @@
         </a:bodyPr>
         <a:lstStyle/>
         <a:p>
-          <a:pPr lvl="0" algn="l" defTabSz="1555750">
+          <a:pPr marL="0" lvl="0" indent="0" algn="l" defTabSz="1555750">
             <a:lnSpc>
               <a:spcPct val="90000"/>
             </a:lnSpc>
@@ -1855,17 +1801,18 @@
             <a:spcAft>
               <a:spcPct val="35000"/>
             </a:spcAft>
+            <a:buNone/>
           </a:pPr>
           <a:r>
-            <a:rPr lang="en-US" altLang="zh-CN" sz="3500" kern="1200" dirty="0" smtClean="0"/>
+            <a:rPr lang="en-US" altLang="zh-CN" sz="3500" kern="1200" dirty="0"/>
             <a:t>3</a:t>
           </a:r>
           <a:r>
-            <a:rPr lang="zh-CN" sz="3500" kern="1200" dirty="0" smtClean="0"/>
+            <a:rPr lang="zh-CN" sz="3500" kern="1200" dirty="0"/>
             <a:t>．</a:t>
           </a:r>
           <a:r>
-            <a:rPr lang="zh-CN" altLang="en-US" sz="3500" kern="1200" dirty="0" smtClean="0"/>
+            <a:rPr lang="zh-CN" altLang="en-US" sz="3500" kern="1200" dirty="0"/>
             <a:t>原型</a:t>
           </a:r>
           <a:endParaRPr lang="en-US" sz="3500" kern="1200" dirty="0"/>
@@ -1977,7 +1924,7 @@
         </a:bodyPr>
         <a:lstStyle/>
         <a:p>
-          <a:pPr lvl="0" algn="l" defTabSz="1555750">
+          <a:pPr marL="0" lvl="0" indent="0" algn="l" defTabSz="1555750">
             <a:lnSpc>
               <a:spcPct val="90000"/>
             </a:lnSpc>
@@ -1987,17 +1934,18 @@
             <a:spcAft>
               <a:spcPct val="35000"/>
             </a:spcAft>
+            <a:buNone/>
           </a:pPr>
           <a:r>
-            <a:rPr lang="en-US" altLang="zh-CN" sz="3500" kern="1200" dirty="0" smtClean="0"/>
+            <a:rPr lang="en-US" altLang="zh-CN" sz="3500" kern="1200" dirty="0"/>
             <a:t>4</a:t>
           </a:r>
           <a:r>
-            <a:rPr lang="zh-CN" sz="3500" kern="1200" dirty="0" smtClean="0"/>
+            <a:rPr lang="zh-CN" sz="3500" kern="1200" dirty="0"/>
             <a:t>．</a:t>
           </a:r>
           <a:r>
-            <a:rPr lang="zh-CN" altLang="en-US" sz="3500" kern="1200" dirty="0" smtClean="0"/>
+            <a:rPr lang="zh-CN" altLang="en-US" sz="3500" kern="1200" dirty="0"/>
             <a:t>时机</a:t>
           </a:r>
           <a:endParaRPr lang="en-US" sz="3500" kern="1200" dirty="0"/>
@@ -2109,7 +2057,7 @@
         </a:bodyPr>
         <a:lstStyle/>
         <a:p>
-          <a:pPr lvl="0" algn="l" defTabSz="1555750">
+          <a:pPr marL="0" lvl="0" indent="0" algn="l" defTabSz="1555750">
             <a:lnSpc>
               <a:spcPct val="90000"/>
             </a:lnSpc>
@@ -2119,25 +2067,26 @@
             <a:spcAft>
               <a:spcPct val="35000"/>
             </a:spcAft>
+            <a:buNone/>
           </a:pPr>
           <a:r>
-            <a:rPr lang="en-US" altLang="zh-CN" sz="3500" kern="1200" dirty="0" smtClean="0"/>
+            <a:rPr lang="en-US" altLang="zh-CN" sz="3500" kern="1200" dirty="0"/>
             <a:t>5</a:t>
           </a:r>
           <a:r>
-            <a:rPr lang="zh-CN" sz="3500" kern="1200" dirty="0" smtClean="0"/>
+            <a:rPr lang="zh-CN" sz="3500" kern="1200" dirty="0"/>
             <a:t>．</a:t>
           </a:r>
           <a:r>
-            <a:rPr lang="zh-CN" altLang="en-US" sz="3500" kern="1200" dirty="0" smtClean="0"/>
+            <a:rPr lang="zh-CN" altLang="en-US" sz="3500" kern="1200" dirty="0"/>
             <a:t>工具：</a:t>
           </a:r>
           <a:r>
-            <a:rPr lang="en-US" altLang="zh-CN" sz="3500" kern="1200" dirty="0" err="1" smtClean="0"/>
+            <a:rPr lang="en-US" altLang="zh-CN" sz="3500" kern="1200" dirty="0" err="1"/>
             <a:t>Axure</a:t>
           </a:r>
           <a:r>
-            <a:rPr lang="en-US" altLang="zh-CN" sz="3500" kern="1200" dirty="0" smtClean="0"/>
+            <a:rPr lang="en-US" altLang="zh-CN" sz="3500" kern="1200" dirty="0"/>
             <a:t> RP8</a:t>
           </a:r>
           <a:endParaRPr lang="en-US" sz="3500" kern="1200" dirty="0"/>
@@ -2249,7 +2198,7 @@
         </a:bodyPr>
         <a:lstStyle/>
         <a:p>
-          <a:pPr lvl="0" algn="l" defTabSz="1555750">
+          <a:pPr marL="0" lvl="0" indent="0" algn="l" defTabSz="1555750">
             <a:lnSpc>
               <a:spcPct val="90000"/>
             </a:lnSpc>
@@ -2259,17 +2208,18 @@
             <a:spcAft>
               <a:spcPct val="35000"/>
             </a:spcAft>
+            <a:buNone/>
           </a:pPr>
           <a:r>
-            <a:rPr lang="en-US" altLang="zh-CN" sz="3500" kern="1200" dirty="0" smtClean="0"/>
+            <a:rPr lang="en-US" altLang="zh-CN" sz="3500" kern="1200" dirty="0"/>
             <a:t>6</a:t>
           </a:r>
           <a:r>
-            <a:rPr lang="zh-CN" sz="3500" kern="1200" dirty="0" smtClean="0"/>
+            <a:rPr lang="zh-CN" sz="3500" kern="1200" dirty="0"/>
             <a:t>．</a:t>
           </a:r>
           <a:r>
-            <a:rPr lang="zh-CN" altLang="en-US" sz="3500" kern="1200" dirty="0" smtClean="0"/>
+            <a:rPr lang="zh-CN" altLang="en-US" sz="3500" kern="1200" dirty="0"/>
             <a:t>原型界面与交互</a:t>
           </a:r>
           <a:endParaRPr lang="en-US" sz="3500" kern="1200" dirty="0"/>
@@ -2381,7 +2331,7 @@
         </a:bodyPr>
         <a:lstStyle/>
         <a:p>
-          <a:pPr lvl="0" algn="l" defTabSz="1555750">
+          <a:pPr marL="0" lvl="0" indent="0" algn="l" defTabSz="1555750">
             <a:lnSpc>
               <a:spcPct val="90000"/>
             </a:lnSpc>
@@ -2391,21 +2341,22 @@
             <a:spcAft>
               <a:spcPct val="35000"/>
             </a:spcAft>
+            <a:buNone/>
           </a:pPr>
           <a:r>
-            <a:rPr lang="en-US" altLang="zh-CN" sz="3500" kern="1200" dirty="0" smtClean="0"/>
+            <a:rPr lang="en-US" altLang="zh-CN" sz="3500" kern="1200" dirty="0"/>
             <a:t>7</a:t>
           </a:r>
           <a:r>
-            <a:rPr lang="zh-CN" sz="3500" kern="1200" dirty="0" smtClean="0"/>
+            <a:rPr lang="zh-CN" sz="3500" kern="1200" dirty="0"/>
             <a:t>．</a:t>
           </a:r>
           <a:r>
-            <a:rPr lang="zh-CN" altLang="en-US" sz="3500" kern="1200" dirty="0" smtClean="0"/>
+            <a:rPr lang="zh-CN" altLang="en-US" sz="3500" kern="1200" dirty="0"/>
             <a:t>交互过程</a:t>
           </a:r>
           <a:r>
-            <a:rPr lang="zh-CN" altLang="en-US" sz="3500" kern="1200" smtClean="0"/>
+            <a:rPr lang="zh-CN" altLang="en-US" sz="3500" kern="1200"/>
             <a:t>三要素</a:t>
           </a:r>
           <a:endParaRPr lang="en-US" sz="3500" kern="1200" dirty="0"/>
@@ -4003,7 +3954,7 @@
             <a:fld id="{BC02ACD8-9D28-445F-BAFE-92DA3311E912}" type="datetimeFigureOut">
               <a:rPr lang="zh-CN" altLang="en-US" smtClean="0"/>
               <a:pPr/>
-              <a:t>2017/11/16</a:t>
+              <a:t>2017/11/19</a:t>
             </a:fld>
             <a:endParaRPr lang="zh-CN" altLang="en-US"/>
           </a:p>
@@ -5216,7 +5167,7 @@
           <a:effectLst/>
           <a:extLst>
             <a:ext uri="{91240B29-F687-4f45-9708-019B960494DF}">
-              <a14:hiddenLine xmlns:a14="http://schemas.microsoft.com/office/drawing/2010/main" xmlns="" w="9525">
+              <a14:hiddenLine xmlns="" xmlns:a14="http://schemas.microsoft.com/office/drawing/2010/main" w="9525">
                 <a:solidFill>
                   <a:srgbClr val="000000"/>
                 </a:solidFill>
@@ -5409,7 +5360,7 @@
             <a:fld id="{08B9EBBA-996F-894A-B54A-D6246ED52CEA}" type="datetimeFigureOut">
               <a:rPr lang="en-US" dirty="0"/>
               <a:pPr/>
-              <a:t>11/16/2017</a:t>
+              <a:t>11/19/2017</a:t>
             </a:fld>
             <a:endParaRPr lang="en-US" dirty="0"/>
           </a:p>
@@ -5724,7 +5675,7 @@
             <a:fld id="{18C79C5D-2A6F-F04D-97DA-BEF2467B64E4}" type="datetimeFigureOut">
               <a:rPr lang="en-US" dirty="0"/>
               <a:pPr/>
-              <a:t>11/16/2017</a:t>
+              <a:t>11/19/2017</a:t>
             </a:fld>
             <a:endParaRPr lang="en-US" dirty="0"/>
           </a:p>
@@ -6209,7 +6160,7 @@
             <a:fld id="{8DFA1846-DA80-1C48-A609-854EA85C59AD}" type="datetimeFigureOut">
               <a:rPr lang="en-US" dirty="0"/>
               <a:pPr/>
-              <a:t>11/16/2017</a:t>
+              <a:t>11/19/2017</a:t>
             </a:fld>
             <a:endParaRPr lang="en-US" dirty="0"/>
           </a:p>
@@ -6575,7 +6526,7 @@
             <a:fld id="{FBF54567-0DE4-3F47-BF90-CB84690072F9}" type="datetimeFigureOut">
               <a:rPr lang="en-US" dirty="0"/>
               <a:pPr/>
-              <a:t>11/16/2017</a:t>
+              <a:t>11/19/2017</a:t>
             </a:fld>
             <a:endParaRPr lang="en-US" dirty="0"/>
           </a:p>
@@ -6726,7 +6677,7 @@
           <a:ln/>
           <a:extLst>
             <a:ext uri="{91240B29-F687-4f45-9708-019B960494DF}">
-              <a14:hiddenLine xmlns:a14="http://schemas.microsoft.com/office/drawing/2010/main" xmlns="" w="9525">
+              <a14:hiddenLine xmlns="" xmlns:a14="http://schemas.microsoft.com/office/drawing/2010/main" w="9525">
                 <a:solidFill>
                   <a:srgbClr val="000000"/>
                 </a:solidFill>
@@ -6845,7 +6796,7 @@
             <a:fld id="{C6C52C72-DE31-F449-A4ED-4C594FD91407}" type="datetimeFigureOut">
               <a:rPr lang="en-US" dirty="0"/>
               <a:pPr/>
-              <a:t>11/16/2017</a:t>
+              <a:t>11/19/2017</a:t>
             </a:fld>
             <a:endParaRPr lang="en-US" dirty="0"/>
           </a:p>
@@ -6998,7 +6949,7 @@
           <a:ln/>
           <a:extLst>
             <a:ext uri="{91240B29-F687-4f45-9708-019B960494DF}">
-              <a14:hiddenLine xmlns:a14="http://schemas.microsoft.com/office/drawing/2010/main" xmlns="" w="9525">
+              <a14:hiddenLine xmlns="" xmlns:a14="http://schemas.microsoft.com/office/drawing/2010/main" w="9525">
                 <a:solidFill>
                   <a:srgbClr val="000000"/>
                 </a:solidFill>
@@ -7127,7 +7078,7 @@
             <a:fld id="{ED62726E-379B-B349-9EED-81ED093FA806}" type="datetimeFigureOut">
               <a:rPr lang="en-US" dirty="0"/>
               <a:pPr/>
-              <a:t>11/16/2017</a:t>
+              <a:t>11/19/2017</a:t>
             </a:fld>
             <a:endParaRPr lang="en-US" dirty="0"/>
           </a:p>
@@ -7278,7 +7229,7 @@
           <a:ln/>
           <a:extLst>
             <a:ext uri="{91240B29-F687-4f45-9708-019B960494DF}">
-              <a14:hiddenLine xmlns:a14="http://schemas.microsoft.com/office/drawing/2010/main" xmlns="" w="9525">
+              <a14:hiddenLine xmlns="" xmlns:a14="http://schemas.microsoft.com/office/drawing/2010/main" w="9525">
                 <a:solidFill>
                   <a:srgbClr val="000000"/>
                 </a:solidFill>
@@ -7407,7 +7358,7 @@
             <a:fld id="{9B3A1323-8D79-1946-B0D7-40001CF92E9D}" type="datetimeFigureOut">
               <a:rPr lang="en-US" dirty="0"/>
               <a:pPr/>
-              <a:t>11/16/2017</a:t>
+              <a:t>11/19/2017</a:t>
             </a:fld>
             <a:endParaRPr lang="en-US" dirty="0"/>
           </a:p>
@@ -7747,7 +7698,7 @@
             <a:fld id="{8DFA1846-DA80-1C48-A609-854EA85C59AD}" type="datetimeFigureOut">
               <a:rPr lang="en-US" dirty="0"/>
               <a:pPr/>
-              <a:t>11/16/2017</a:t>
+              <a:t>11/19/2017</a:t>
             </a:fld>
             <a:endParaRPr lang="en-US" dirty="0"/>
           </a:p>
@@ -7898,7 +7849,7 @@
           <a:ln/>
           <a:extLst>
             <a:ext uri="{91240B29-F687-4f45-9708-019B960494DF}">
-              <a14:hiddenLine xmlns:a14="http://schemas.microsoft.com/office/drawing/2010/main" xmlns="" w="9525">
+              <a14:hiddenLine xmlns="" xmlns:a14="http://schemas.microsoft.com/office/drawing/2010/main" w="9525">
                 <a:solidFill>
                   <a:srgbClr val="000000"/>
                 </a:solidFill>
@@ -8083,7 +8034,7 @@
             <a:fld id="{57302355-E14B-8545-A8F8-0FE83CC9D524}" type="datetimeFigureOut">
               <a:rPr lang="en-US" dirty="0"/>
               <a:pPr/>
-              <a:t>11/16/2017</a:t>
+              <a:t>11/19/2017</a:t>
             </a:fld>
             <a:endParaRPr lang="en-US" dirty="0"/>
           </a:p>
@@ -8234,7 +8185,7 @@
           <a:ln/>
           <a:extLst>
             <a:ext uri="{91240B29-F687-4f45-9708-019B960494DF}">
-              <a14:hiddenLine xmlns:a14="http://schemas.microsoft.com/office/drawing/2010/main" xmlns="" w="9525">
+              <a14:hiddenLine xmlns="" xmlns:a14="http://schemas.microsoft.com/office/drawing/2010/main" w="9525">
                 <a:solidFill>
                   <a:srgbClr val="000000"/>
                 </a:solidFill>
@@ -8557,7 +8508,7 @@
             <a:fld id="{02640F58-564D-2B4F-AE67-E407BA4FCF45}" type="datetimeFigureOut">
               <a:rPr lang="en-US" dirty="0"/>
               <a:pPr/>
-              <a:t>11/16/2017</a:t>
+              <a:t>11/19/2017</a:t>
             </a:fld>
             <a:endParaRPr lang="en-US" dirty="0"/>
           </a:p>
@@ -8708,7 +8659,7 @@
           <a:ln/>
           <a:extLst>
             <a:ext uri="{91240B29-F687-4f45-9708-019B960494DF}">
-              <a14:hiddenLine xmlns:a14="http://schemas.microsoft.com/office/drawing/2010/main" xmlns="" w="9525">
+              <a14:hiddenLine xmlns="" xmlns:a14="http://schemas.microsoft.com/office/drawing/2010/main" w="9525">
                 <a:solidFill>
                   <a:srgbClr val="000000"/>
                 </a:solidFill>
@@ -8775,7 +8726,7 @@
             <a:fld id="{F13A34C8-038E-2045-AF43-DF7DBB8E0E9E}" type="datetimeFigureOut">
               <a:rPr lang="en-US" dirty="0"/>
               <a:pPr/>
-              <a:t>11/16/2017</a:t>
+              <a:t>11/19/2017</a:t>
             </a:fld>
             <a:endParaRPr lang="en-US" dirty="0"/>
           </a:p>
@@ -8867,7 +8818,7 @@
             <a:fld id="{8818C68F-D26B-8F47-958C-23B49CF8A634}" type="datetimeFigureOut">
               <a:rPr lang="en-US" dirty="0"/>
               <a:pPr/>
-              <a:t>11/16/2017</a:t>
+              <a:t>11/19/2017</a:t>
             </a:fld>
             <a:endParaRPr lang="en-US" dirty="0"/>
           </a:p>
@@ -9131,7 +9082,7 @@
           <a:ln/>
           <a:extLst>
             <a:ext uri="{91240B29-F687-4f45-9708-019B960494DF}">
-              <a14:hiddenLine xmlns:a14="http://schemas.microsoft.com/office/drawing/2010/main" xmlns="" w="9525">
+              <a14:hiddenLine xmlns="" xmlns:a14="http://schemas.microsoft.com/office/drawing/2010/main" w="9525">
                 <a:solidFill>
                   <a:srgbClr val="000000"/>
                 </a:solidFill>
@@ -9331,7 +9282,7 @@
             <a:fld id="{D0DF5E60-9974-AC48-9591-99C2BB44B7CF}" type="datetimeFigureOut">
               <a:rPr lang="en-US" dirty="0"/>
               <a:pPr/>
-              <a:t>11/16/2017</a:t>
+              <a:t>11/19/2017</a:t>
             </a:fld>
             <a:endParaRPr lang="en-US" dirty="0"/>
           </a:p>
@@ -9641,7 +9592,7 @@
             <a:fld id="{18C79C5D-2A6F-F04D-97DA-BEF2467B64E4}" type="datetimeFigureOut">
               <a:rPr lang="en-US" dirty="0"/>
               <a:pPr/>
-              <a:t>11/16/2017</a:t>
+              <a:t>11/19/2017</a:t>
             </a:fld>
             <a:endParaRPr lang="en-US" dirty="0"/>
           </a:p>
@@ -9908,7 +9859,7 @@
             <a:fld id="{09B482E8-6E0E-1B4F-B1FD-C69DB9E858D9}" type="datetimeFigureOut">
               <a:rPr lang="en-US" dirty="0"/>
               <a:pPr/>
-              <a:t>11/16/2017</a:t>
+              <a:t>11/19/2017</a:t>
             </a:fld>
             <a:endParaRPr lang="en-US" dirty="0"/>
           </a:p>
@@ -10382,10 +10333,9 @@
           <a:p>
             <a:pPr algn="ctr"/>
             <a:r>
-              <a:rPr lang="zh-CN" altLang="en-US" sz="6000" dirty="0" smtClean="0"/>
+              <a:rPr lang="zh-CN" altLang="en-US" sz="6000" dirty="0"/>
               <a:t>界面原型介绍</a:t>
             </a:r>
-            <a:endParaRPr lang="zh-CN" altLang="en-US" sz="6000" dirty="0"/>
           </a:p>
         </p:txBody>
       </p:sp>
@@ -10890,30 +10840,14 @@
               <a:rPr lang="zh-CN" altLang="en-US" sz="2000" dirty="0"/>
               <a:t>交互：</a:t>
             </a:r>
-            <a:r>
-              <a:rPr lang="zh-CN" altLang="en-US" sz="2000" dirty="0"/>
-              <a:t/>
-            </a:r>
             <a:br>
               <a:rPr lang="zh-CN" altLang="en-US" sz="2000" dirty="0"/>
             </a:br>
             <a:r>
               <a:rPr lang="zh-CN" altLang="en-US" sz="2000" dirty="0"/>
-              <a:t>这里主要说的是人机交互</a:t>
-            </a:r>
-            <a:r>
-              <a:rPr lang="zh-CN" altLang="en-US" sz="2000" dirty="0" smtClean="0"/>
-              <a:t>，一</a:t>
-            </a:r>
-            <a:r>
-              <a:rPr lang="zh-CN" altLang="en-US" sz="2000" dirty="0"/>
-              <a:t>个操作者和一个操作界面，不管是手机、电脑还是什么其它带屏幕的操作</a:t>
-            </a:r>
-            <a:r>
-              <a:rPr lang="zh-CN" altLang="en-US" sz="2000" dirty="0" smtClean="0"/>
-              <a:t>设备，我们所设计的原型，就是让客户体验交互，是否与自己所设想的一致。</a:t>
-            </a:r>
-            <a:endParaRPr lang="en-US" altLang="zh-CN" sz="2000" dirty="0" smtClean="0"/>
+              <a:t>这里主要说的是人机交互，一个操作者和一个操作界面，不管是手机、电脑还是什么其它带屏幕的操作设备，我们所设计的原型，就是让客户体验交互，是否与自己所设想的一致。</a:t>
+            </a:r>
+            <a:endParaRPr lang="en-US" altLang="zh-CN" sz="2000" dirty="0"/>
           </a:p>
         </p:txBody>
       </p:sp>
@@ -10927,13 +10861,6 @@
   <p:clrMapOvr>
     <a:masterClrMapping/>
   </p:clrMapOvr>
-  <p:timing>
-    <p:tnLst>
-      <p:par>
-        <p:cTn id="1" dur="indefinite" restart="never" nodeType="tmRoot"/>
-      </p:par>
-    </p:tnLst>
-  </p:timing>
 </p:sld>
 </file>
 
@@ -10981,10 +10908,9 @@
           <a:lstStyle/>
           <a:p>
             <a:r>
-              <a:rPr lang="zh-CN" altLang="en-US" sz="4400" dirty="0" smtClean="0"/>
+              <a:rPr lang="zh-CN" altLang="en-US" sz="4400" dirty="0"/>
               <a:t>交互过程和体验</a:t>
             </a:r>
-            <a:endParaRPr lang="zh-CN" altLang="en-US" sz="4400" dirty="0"/>
           </a:p>
         </p:txBody>
       </p:sp>
@@ -11023,13 +10949,9 @@
             </a:br>
             <a:r>
               <a:rPr lang="zh-CN" altLang="en-US" sz="2400" dirty="0"/>
-              <a:t>即操作者用一些触发事件（单击、双击、拖拽、键入等等），在操作界面上发出一些指令。机器处理这些指令，然后在屏幕上给予操作者各种反馈结果，这个过程就叫交互过程</a:t>
-            </a:r>
-            <a:r>
-              <a:rPr lang="zh-CN" altLang="en-US" sz="2400" dirty="0" smtClean="0"/>
-              <a:t>。</a:t>
-            </a:r>
-            <a:endParaRPr lang="en-US" altLang="zh-CN" sz="2400" dirty="0" smtClean="0"/>
+              <a:t>即操作者用一些触发事件（单击、双击、拖拽、键入等等），在操作界面上发出一些指令。机器处理这些指令，然后在屏幕上给予操作者各种反馈结果，这个过程就叫交互过程。</a:t>
+            </a:r>
+            <a:endParaRPr lang="en-US" altLang="zh-CN" sz="2400" dirty="0"/>
           </a:p>
           <a:p>
             <a:pPr marL="285750" indent="-285750">
@@ -11044,19 +10966,15 @@
               <a:buChar char="p"/>
             </a:pPr>
             <a:r>
-              <a:rPr lang="zh-CN" altLang="en-US" sz="2400" dirty="0" smtClean="0"/>
+              <a:rPr lang="zh-CN" altLang="en-US" sz="2400" dirty="0"/>
               <a:t>交互体验，</a:t>
             </a:r>
             <a:br>
-              <a:rPr lang="zh-CN" altLang="en-US" sz="2400" dirty="0" smtClean="0"/>
+              <a:rPr lang="zh-CN" altLang="en-US" sz="2400" dirty="0"/>
             </a:br>
             <a:r>
-              <a:rPr lang="zh-CN" altLang="en-US" sz="2400" dirty="0" smtClean="0"/>
-              <a:t>怎么样让上面的交互过程，更符合人自然的理解与表达，让整个交互过程更</a:t>
-            </a:r>
-            <a:r>
               <a:rPr lang="zh-CN" altLang="en-US" sz="2400" dirty="0"/>
-              <a:t>顺畅。好的交互设计就是让人尽量感觉不到这东西被刻意的设计过，而是让人觉得它自然而然就应该是那个样子。</a:t>
+              <a:t>怎么样让上面的交互过程，更符合人自然的理解与表达，让整个交互过程更顺畅。好的交互设计就是让人尽量感觉不到这东西被刻意的设计过，而是让人觉得它自然而然就应该是那个样子。</a:t>
             </a:r>
           </a:p>
         </p:txBody>
@@ -11071,13 +10989,6 @@
   <p:clrMapOvr>
     <a:masterClrMapping/>
   </p:clrMapOvr>
-  <p:timing>
-    <p:tnLst>
-      <p:par>
-        <p:cTn id="1" dur="indefinite" restart="never" nodeType="tmRoot"/>
-      </p:par>
-    </p:tnLst>
-  </p:timing>
 </p:sld>
 </file>
 
@@ -11125,18 +11036,17 @@
           <a:lstStyle/>
           <a:p>
             <a:r>
-              <a:rPr lang="zh-CN" altLang="en-US" sz="4400" dirty="0" smtClean="0"/>
+              <a:rPr lang="zh-CN" altLang="en-US" sz="4400" dirty="0"/>
               <a:t>问题</a:t>
             </a:r>
             <a:r>
-              <a:rPr lang="en-US" altLang="zh-CN" sz="4400" dirty="0" smtClean="0"/>
+              <a:rPr lang="en-US" altLang="zh-CN" sz="4400" dirty="0"/>
               <a:t>2</a:t>
             </a:r>
             <a:r>
-              <a:rPr lang="zh-CN" altLang="en-US" sz="4400" dirty="0" smtClean="0"/>
+              <a:rPr lang="zh-CN" altLang="en-US" sz="4400" dirty="0"/>
               <a:t>：</a:t>
             </a:r>
-            <a:endParaRPr lang="zh-CN" altLang="en-US" sz="4400" dirty="0"/>
           </a:p>
         </p:txBody>
       </p:sp>
@@ -11163,22 +11073,21 @@
           <a:lstStyle/>
           <a:p>
             <a:r>
-              <a:rPr lang="zh-CN" altLang="en-US" sz="2400" dirty="0" smtClean="0"/>
+              <a:rPr lang="zh-CN" altLang="en-US" sz="2400" dirty="0"/>
               <a:t>我们为什么选择</a:t>
             </a:r>
             <a:r>
-              <a:rPr lang="en-US" altLang="zh-CN" sz="2400" dirty="0" err="1" smtClean="0"/>
+              <a:rPr lang="en-US" altLang="zh-CN" sz="2400" dirty="0" err="1"/>
               <a:t>Axure</a:t>
             </a:r>
             <a:r>
-              <a:rPr lang="en-US" altLang="zh-CN" sz="2400" dirty="0" smtClean="0"/>
+              <a:rPr lang="en-US" altLang="zh-CN" sz="2400" dirty="0"/>
               <a:t> RP</a:t>
             </a:r>
             <a:r>
-              <a:rPr lang="zh-CN" altLang="en-US" sz="2400" dirty="0" smtClean="0"/>
+              <a:rPr lang="zh-CN" altLang="en-US" sz="2400" dirty="0"/>
               <a:t>来做原型界面？</a:t>
             </a:r>
-            <a:endParaRPr lang="zh-CN" altLang="en-US" sz="2400" dirty="0"/>
           </a:p>
         </p:txBody>
       </p:sp>
@@ -11192,13 +11101,6 @@
   <p:clrMapOvr>
     <a:masterClrMapping/>
   </p:clrMapOvr>
-  <p:timing>
-    <p:tnLst>
-      <p:par>
-        <p:cTn id="1" dur="indefinite" restart="never" nodeType="tmRoot"/>
-      </p:par>
-    </p:tnLst>
-  </p:timing>
 </p:sld>
 </file>
 
@@ -11255,23 +11157,15 @@
             </a:r>
             <a:r>
               <a:rPr lang="zh-CN" altLang="en-US" sz="2800" b="0" dirty="0"/>
-              <a:t>和一般画原型图工具的不同</a:t>
-            </a:r>
-            <a:r>
-              <a:rPr lang="zh-CN" altLang="en-US" sz="2800" b="0" dirty="0" smtClean="0"/>
-              <a:t>，</a:t>
-            </a:r>
-            <a:r>
-              <a:rPr lang="en-US" altLang="zh-CN" sz="2800" b="0" dirty="0" err="1" smtClean="0"/>
+              <a:t>和一般画原型图工具的不同，</a:t>
+            </a:r>
+            <a:r>
+              <a:rPr lang="en-US" altLang="zh-CN" sz="2800" b="0" dirty="0" err="1"/>
               <a:t>Axure</a:t>
             </a:r>
             <a:r>
-              <a:rPr lang="en-US" altLang="zh-CN" sz="2800" b="0" dirty="0" smtClean="0"/>
-              <a:t> </a:t>
-            </a:r>
-            <a:r>
               <a:rPr lang="en-US" altLang="zh-CN" sz="2800" b="0" dirty="0"/>
-              <a:t>RP</a:t>
+              <a:t> RP</a:t>
             </a:r>
             <a:r>
               <a:rPr lang="zh-CN" altLang="en-US" sz="2800" b="0" dirty="0"/>
@@ -11307,18 +11201,17 @@
           <a:lstStyle/>
           <a:p>
             <a:r>
-              <a:rPr lang="en-US" altLang="zh-CN" sz="4400" b="1" dirty="0" err="1" smtClean="0"/>
+              <a:rPr lang="en-US" altLang="zh-CN" sz="4400" b="1" dirty="0" err="1"/>
               <a:t>Axure</a:t>
             </a:r>
             <a:r>
-              <a:rPr lang="en-US" altLang="zh-CN" sz="4400" b="1" dirty="0" smtClean="0"/>
+              <a:rPr lang="en-US" altLang="zh-CN" sz="4400" b="1" dirty="0"/>
               <a:t> RP</a:t>
             </a:r>
             <a:r>
-              <a:rPr lang="zh-CN" altLang="en-US" sz="4400" b="1" dirty="0" smtClean="0"/>
+              <a:rPr lang="zh-CN" altLang="en-US" sz="4400" b="1" dirty="0"/>
               <a:t>的优点</a:t>
             </a:r>
-            <a:endParaRPr lang="zh-CN" altLang="en-US" sz="4400" b="1" dirty="0"/>
           </a:p>
         </p:txBody>
       </p:sp>
@@ -11332,13 +11225,6 @@
   <p:clrMapOvr>
     <a:masterClrMapping/>
   </p:clrMapOvr>
-  <p:timing>
-    <p:tnLst>
-      <p:par>
-        <p:cTn id="1" dur="indefinite" restart="never" nodeType="tmRoot"/>
-      </p:par>
-    </p:tnLst>
-  </p:timing>
 </p:sld>
 </file>
 
@@ -11383,13 +11269,8 @@
             <a:pPr algn="ctr"/>
             <a:r>
               <a:rPr lang="zh-CN" altLang="en-US" sz="6000" dirty="0"/>
-              <a:t>交互</a:t>
-            </a:r>
-            <a:r>
-              <a:rPr lang="zh-CN" altLang="en-US" sz="6000" dirty="0" smtClean="0"/>
-              <a:t>过程三要素</a:t>
-            </a:r>
-            <a:endParaRPr lang="zh-CN" altLang="en-US" sz="6000" dirty="0"/>
+              <a:t>交互过程三要素</a:t>
+            </a:r>
           </a:p>
         </p:txBody>
       </p:sp>
@@ -11446,14 +11327,13 @@
           <a:lstStyle/>
           <a:p>
             <a:r>
-              <a:rPr lang="en-US" altLang="zh-CN" sz="2000" dirty="0" smtClean="0"/>
+              <a:rPr lang="en-US" altLang="zh-CN" sz="2000" dirty="0"/>
               <a:t>	</a:t>
             </a:r>
             <a:r>
-              <a:rPr lang="zh-CN" altLang="en-US" sz="2000" dirty="0" smtClean="0"/>
+              <a:rPr lang="zh-CN" altLang="en-US" sz="2000" dirty="0"/>
               <a:t>想要做出让客户满意的原型，除了满意的功能以外，还需要有良好的交互设计效果。好的效果，要从基本入手。</a:t>
             </a:r>
-            <a:endParaRPr lang="zh-CN" altLang="en-US" sz="2000" dirty="0"/>
           </a:p>
         </p:txBody>
       </p:sp>
@@ -11467,13 +11347,6 @@
   <p:clrMapOvr>
     <a:masterClrMapping/>
   </p:clrMapOvr>
-  <p:timing>
-    <p:tnLst>
-      <p:par>
-        <p:cTn id="1" dur="indefinite" restart="never" nodeType="tmRoot"/>
-      </p:par>
-    </p:tnLst>
-  </p:timing>
 </p:sld>
 </file>
 
@@ -11798,21 +11671,9 @@
           <a:p>
             <a:r>
               <a:rPr lang="zh-CN" altLang="en-US" dirty="0"/>
-              <a:t>对即将产生交互内容的区域</a:t>
-            </a:r>
-            <a:r>
-              <a:rPr lang="zh-CN" altLang="en-US" dirty="0" smtClean="0"/>
-              <a:t>提供给</a:t>
-            </a:r>
-            <a:r>
-              <a:rPr lang="zh-CN" altLang="en-US" dirty="0"/>
-              <a:t>操作者一种响应机制</a:t>
-            </a:r>
-            <a:r>
-              <a:rPr lang="zh-CN" altLang="en-US" dirty="0" smtClean="0"/>
-              <a:t>。</a:t>
-            </a:r>
-            <a:endParaRPr lang="en-US" altLang="zh-CN" dirty="0" smtClean="0"/>
+              <a:t>对即将产生交互内容的区域提供给操作者一种响应机制。</a:t>
+            </a:r>
+            <a:endParaRPr lang="en-US" altLang="zh-CN" dirty="0"/>
           </a:p>
           <a:p>
             <a:r>
@@ -11835,22 +11696,14 @@
           <a:p>
             <a:r>
               <a:rPr lang="zh-CN" altLang="en-US" sz="2000" dirty="0"/>
-              <a:t>注意：忌讳因为某区块产生响应，而让其它区块边界产生生硬的错位</a:t>
-            </a:r>
-            <a:r>
-              <a:rPr lang="zh-CN" altLang="en-US" sz="2000" dirty="0" smtClean="0"/>
-              <a:t>。</a:t>
-            </a:r>
-            <a:endParaRPr lang="en-US" altLang="zh-CN" sz="2000" dirty="0" smtClean="0"/>
+              <a:t>注意：忌讳因为某区块产生响应，而让其它区块边界产生生硬的错位。</a:t>
+            </a:r>
+            <a:endParaRPr lang="en-US" altLang="zh-CN" sz="2000" dirty="0"/>
           </a:p>
           <a:p>
             <a:r>
               <a:rPr lang="zh-CN" altLang="en-US" dirty="0"/>
               <a:t>补充：提示音也是一种响应。</a:t>
-            </a:r>
-            <a:r>
-              <a:rPr lang="zh-CN" altLang="en-US" sz="2000" dirty="0"/>
-              <a:t/>
             </a:r>
             <a:br>
               <a:rPr lang="zh-CN" altLang="en-US" sz="2000" dirty="0"/>
@@ -11875,7 +11728,7 @@
               <a:rPr lang="zh-CN" altLang="en-US" dirty="0"/>
               <a:t>的一声。</a:t>
             </a:r>
-            <a:endParaRPr lang="en-US" altLang="zh-CN" sz="2000" dirty="0" smtClean="0"/>
+            <a:endParaRPr lang="en-US" altLang="zh-CN" sz="2000" dirty="0"/>
           </a:p>
         </p:txBody>
       </p:sp>
@@ -11998,10 +11851,9 @@
           <a:lstStyle/>
           <a:p>
             <a:r>
-              <a:rPr lang="zh-CN" altLang="en-US" dirty="0" smtClean="0"/>
+              <a:rPr lang="zh-CN" altLang="en-US" dirty="0"/>
               <a:t>鼠标滑过</a:t>
             </a:r>
-            <a:endParaRPr lang="zh-CN" altLang="en-US" dirty="0"/>
           </a:p>
         </p:txBody>
       </p:sp>
@@ -12015,13 +11867,6 @@
   <p:clrMapOvr>
     <a:masterClrMapping/>
   </p:clrMapOvr>
-  <p:timing>
-    <p:tnLst>
-      <p:par>
-        <p:cTn id="1" dur="indefinite" restart="never" nodeType="tmRoot"/>
-      </p:par>
-    </p:tnLst>
-  </p:timing>
 </p:sld>
 </file>
 
@@ -12360,7 +12205,7 @@
               <a:rPr lang="zh-CN" altLang="en-US" dirty="0"/>
               <a:t>转场效果，如：滑动、门开关、缩放、翻转等。</a:t>
             </a:r>
-            <a:endParaRPr lang="en-US" altLang="zh-CN" sz="2000" dirty="0" smtClean="0"/>
+            <a:endParaRPr lang="en-US" altLang="zh-CN" sz="2000" dirty="0"/>
           </a:p>
         </p:txBody>
       </p:sp>
@@ -12471,10 +12316,9 @@
           <a:lstStyle/>
           <a:p>
             <a:r>
-              <a:rPr lang="zh-CN" altLang="en-US" dirty="0" smtClean="0"/>
+              <a:rPr lang="zh-CN" altLang="en-US" dirty="0"/>
               <a:t>点击</a:t>
             </a:r>
-            <a:endParaRPr lang="zh-CN" altLang="en-US" dirty="0"/>
           </a:p>
         </p:txBody>
       </p:sp>
@@ -12488,13 +12332,6 @@
   <p:clrMapOvr>
     <a:masterClrMapping/>
   </p:clrMapOvr>
-  <p:timing>
-    <p:tnLst>
-      <p:par>
-        <p:cTn id="1" dur="indefinite" restart="never" nodeType="tmRoot"/>
-      </p:par>
-    </p:tnLst>
-  </p:timing>
 </p:sld>
 </file>
 
@@ -12788,7 +12625,7 @@
               <a:t>3.</a:t>
             </a:r>
             <a:r>
-              <a:rPr lang="zh-CN" altLang="en-US" dirty="0" smtClean="0"/>
+              <a:rPr lang="zh-CN" altLang="en-US" dirty="0"/>
               <a:t>移位</a:t>
             </a:r>
             <a:endParaRPr lang="en-US" altLang="zh-CN" sz="4400" dirty="0"/>
@@ -12825,17 +12662,13 @@
           <a:p>
             <a:r>
               <a:rPr lang="zh-CN" altLang="en-US" dirty="0"/>
-              <a:t>操作者在即将产生交互的地方，就近通过这种方式就完成了轻便的操作</a:t>
-            </a:r>
-            <a:r>
-              <a:rPr lang="zh-CN" altLang="en-US" dirty="0" smtClean="0"/>
-              <a:t>。</a:t>
-            </a:r>
-            <a:r>
-              <a:rPr lang="en-US" altLang="zh-CN" dirty="0" smtClean="0"/>
+              <a:t>操作者在即将产生交互的地方，就近通过这种方式就完成了轻便的操作。</a:t>
+            </a:r>
+            <a:r>
+              <a:rPr lang="en-US" altLang="zh-CN" dirty="0"/>
               <a:t>	</a:t>
             </a:r>
-            <a:endParaRPr lang="en-US" altLang="zh-CN" sz="2000" dirty="0" smtClean="0"/>
+            <a:endParaRPr lang="en-US" altLang="zh-CN" sz="2000" dirty="0"/>
           </a:p>
         </p:txBody>
       </p:sp>
@@ -12879,13 +12712,6 @@
   <p:clrMapOvr>
     <a:masterClrMapping/>
   </p:clrMapOvr>
-  <p:timing>
-    <p:tnLst>
-      <p:par>
-        <p:cTn id="1" dur="indefinite" restart="never" nodeType="tmRoot"/>
-      </p:par>
-    </p:tnLst>
-  </p:timing>
 </p:sld>
 </file>
 
@@ -12927,10 +12753,9 @@
           <a:lstStyle/>
           <a:p>
             <a:r>
-              <a:rPr lang="zh-CN" altLang="en-US" dirty="0" smtClean="0"/>
+              <a:rPr lang="zh-CN" altLang="en-US" dirty="0"/>
               <a:t>交互设计总结</a:t>
             </a:r>
-            <a:endParaRPr lang="zh-CN" altLang="en-US" dirty="0"/>
           </a:p>
         </p:txBody>
       </p:sp>
@@ -12992,13 +12817,6 @@
   <p:clrMapOvr>
     <a:masterClrMapping/>
   </p:clrMapOvr>
-  <p:timing>
-    <p:tnLst>
-      <p:par>
-        <p:cTn id="1" dur="indefinite" restart="never" nodeType="tmRoot"/>
-      </p:par>
-    </p:tnLst>
-  </p:timing>
 </p:sld>
 </file>
 
@@ -13024,7 +12842,7 @@
           <p:cNvPr id="2" name="标题 1">
             <a:extLst>
               <a:ext uri="{FF2B5EF4-FFF2-40B4-BE49-F238E27FC236}">
-                <a16:creationId xmlns:a16="http://schemas.microsoft.com/office/drawing/2014/main" id="{029433F6-C7F9-4690-9C8A-51E513DA7BE9}"/>
+                <a16:creationId xmlns:a16="http://schemas.microsoft.com/office/drawing/2014/main" id="{5ABA36DC-44FC-4762-B57E-EF3A9AB77141}"/>
               </a:ext>
             </a:extLst>
           </p:cNvPr>
@@ -13035,30 +12853,75 @@
             <p:ph type="title"/>
           </p:nvPr>
         </p:nvSpPr>
+        <p:spPr/>
+        <p:txBody>
+          <a:bodyPr/>
+          <a:lstStyle/>
+          <a:p>
+            <a:r>
+              <a:rPr lang="zh-CN" altLang="en-US" dirty="0"/>
+              <a:t>问题</a:t>
+            </a:r>
+            <a:r>
+              <a:rPr lang="en-US" altLang="zh-CN" dirty="0"/>
+              <a:t>3</a:t>
+            </a:r>
+            <a:r>
+              <a:rPr lang="zh-CN" altLang="en-US" dirty="0"/>
+              <a:t>：</a:t>
+            </a:r>
+          </a:p>
+        </p:txBody>
+      </p:sp>
+      <p:sp>
+        <p:nvSpPr>
+          <p:cNvPr id="3" name="内容占位符 2">
+            <a:extLst>
+              <a:ext uri="{FF2B5EF4-FFF2-40B4-BE49-F238E27FC236}">
+                <a16:creationId xmlns:a16="http://schemas.microsoft.com/office/drawing/2014/main" id="{4017778B-26E5-428F-AC4C-CD654F8972F5}"/>
+              </a:ext>
+            </a:extLst>
+          </p:cNvPr>
+          <p:cNvSpPr>
+            <a:spLocks noGrp="1"/>
+          </p:cNvSpPr>
+          <p:nvPr>
+            <p:ph idx="1"/>
+          </p:nvPr>
+        </p:nvSpPr>
         <p:spPr>
           <a:xfrm>
-            <a:off x="4584966" y="362111"/>
-            <a:ext cx="10571998" cy="970450"/>
+            <a:off x="810000" y="932413"/>
+            <a:ext cx="10554574" cy="3636511"/>
           </a:xfrm>
         </p:spPr>
         <p:txBody>
-          <a:bodyPr/>
+          <a:bodyPr>
+            <a:normAutofit/>
+          </a:bodyPr>
           <a:lstStyle/>
           <a:p>
             <a:r>
-              <a:rPr lang="zh-CN" altLang="en-US" dirty="0"/>
-              <a:t>参考资料</a:t>
+              <a:rPr lang="zh-CN" altLang="en-US" sz="2400" dirty="0"/>
+              <a:t>界面原型是给谁看的？说出至少</a:t>
+            </a:r>
+            <a:r>
+              <a:rPr lang="en-US" altLang="zh-CN" sz="2400" dirty="0"/>
+              <a:t>3</a:t>
+            </a:r>
+            <a:r>
+              <a:rPr lang="zh-CN" altLang="en-US" sz="2400" dirty="0"/>
+              <a:t>个</a:t>
             </a:r>
           </a:p>
         </p:txBody>
       </p:sp>
       <p:sp>
         <p:nvSpPr>
-          <p:cNvPr id="3" name="文本框 2">
-            <a:hlinkClick r:id="rId2"/>
+          <p:cNvPr id="4" name="文本框 3">
             <a:extLst>
               <a:ext uri="{FF2B5EF4-FFF2-40B4-BE49-F238E27FC236}">
-                <a16:creationId xmlns:a16="http://schemas.microsoft.com/office/drawing/2014/main" id="{220C1E04-0FAA-4810-9EB8-4FB5668628C3}"/>
+                <a16:creationId xmlns:a16="http://schemas.microsoft.com/office/drawing/2014/main" id="{6A14110B-88A7-4CFA-8E5E-7240A0B29EC6}"/>
               </a:ext>
             </a:extLst>
           </p:cNvPr>
@@ -13067,153 +12930,47 @@
         </p:nvSpPr>
         <p:spPr>
           <a:xfrm>
-            <a:off x="339598" y="2337800"/>
-            <a:ext cx="11708023" cy="3416320"/>
+            <a:off x="1166648" y="3741683"/>
+            <a:ext cx="9132628" cy="461665"/>
           </a:xfrm>
           <a:prstGeom prst="rect">
             <a:avLst/>
           </a:prstGeom>
           <a:noFill/>
-          <a:ln>
-            <a:noFill/>
-          </a:ln>
         </p:spPr>
         <p:txBody>
-          <a:bodyPr wrap="square" rtlCol="0">
+          <a:bodyPr wrap="none" rtlCol="0">
             <a:spAutoFit/>
           </a:bodyPr>
           <a:lstStyle/>
           <a:p>
-            <a:pPr marL="285750" indent="-285750">
-              <a:buFont typeface="Wingdings" panose="05000000000000000000" pitchFamily="2" charset="2"/>
-              <a:buChar char="l"/>
-            </a:pPr>
-            <a:r>
-              <a:rPr lang="en-GB" altLang="zh-CN" sz="2400" dirty="0">
-                <a:hlinkClick r:id="rId3"/>
-              </a:rPr>
-              <a:t>http://</a:t>
-            </a:r>
-            <a:r>
-              <a:rPr lang="en-GB" altLang="zh-CN" sz="2400" dirty="0" smtClean="0">
-                <a:hlinkClick r:id="rId3"/>
-              </a:rPr>
-              <a:t>blog.csdn.net/htx_helloworld/article/details/39647517</a:t>
+            <a:r>
+              <a:rPr lang="zh-CN" altLang="en-US" sz="2400" dirty="0"/>
+              <a:t>用户，开发，测试，项目经理，领导，</a:t>
             </a:r>
             <a:r>
               <a:rPr lang="en-US" altLang="zh-CN" sz="2400" dirty="0"/>
-              <a:t>,</a:t>
-            </a:r>
-            <a:r>
-              <a:rPr lang="zh-CN" altLang="en-US" sz="2400" dirty="0" smtClean="0"/>
-              <a:t>原型</a:t>
+              <a:t>UE</a:t>
             </a:r>
             <a:r>
               <a:rPr lang="zh-CN" altLang="en-US" sz="2400" dirty="0"/>
-              <a:t>界面</a:t>
-            </a:r>
-            <a:r>
-              <a:rPr lang="zh-CN" altLang="en-US" sz="2400" dirty="0" smtClean="0"/>
-              <a:t>简介</a:t>
-            </a:r>
-            <a:endParaRPr lang="en-US" altLang="zh-CN" sz="2400" dirty="0" smtClean="0"/>
-          </a:p>
-          <a:p>
-            <a:pPr marL="285750" indent="-285750">
-              <a:buFont typeface="Wingdings" panose="05000000000000000000" pitchFamily="2" charset="2"/>
-              <a:buChar char="l"/>
-            </a:pPr>
-            <a:endParaRPr lang="en-US" altLang="zh-CN" sz="2400" dirty="0"/>
-          </a:p>
-          <a:p>
-            <a:pPr marL="285750" indent="-285750">
-              <a:buFont typeface="Wingdings" panose="05000000000000000000" pitchFamily="2" charset="2"/>
-              <a:buChar char="l"/>
-            </a:pPr>
-            <a:r>
-              <a:rPr lang="en-US" altLang="zh-CN" sz="2400" dirty="0">
-                <a:hlinkClick r:id="rId4"/>
-              </a:rPr>
-              <a:t>https://</a:t>
-            </a:r>
-            <a:r>
-              <a:rPr lang="en-US" altLang="zh-CN" sz="2400" dirty="0" smtClean="0">
-                <a:hlinkClick r:id="rId4"/>
-              </a:rPr>
-              <a:t>baike.baidu.com/item/axure%20rp/9653646?fr=Aladdin</a:t>
-            </a:r>
-            <a:r>
-              <a:rPr lang="en-US" altLang="zh-CN" sz="2400" dirty="0" smtClean="0"/>
-              <a:t>,Axure RP </a:t>
-            </a:r>
-            <a:r>
-              <a:rPr lang="zh-CN" altLang="en-US" sz="2400" dirty="0" smtClean="0"/>
-              <a:t>百度百科</a:t>
-            </a:r>
-            <a:endParaRPr lang="en-US" altLang="zh-CN" sz="2400" dirty="0" smtClean="0"/>
-          </a:p>
-          <a:p>
-            <a:pPr marL="285750" indent="-285750">
-              <a:buFont typeface="Wingdings" panose="05000000000000000000" pitchFamily="2" charset="2"/>
-              <a:buChar char="l"/>
-            </a:pPr>
-            <a:endParaRPr lang="en-US" altLang="zh-CN" sz="2400" dirty="0"/>
-          </a:p>
-          <a:p>
-            <a:pPr marL="285750" indent="-285750">
-              <a:buFont typeface="Wingdings" panose="05000000000000000000" pitchFamily="2" charset="2"/>
-              <a:buChar char="l"/>
-            </a:pPr>
+              <a:t>，</a:t>
+            </a:r>
             <a:r>
               <a:rPr lang="en-US" altLang="zh-CN" sz="2400" dirty="0"/>
-              <a:t>http://</a:t>
-            </a:r>
-            <a:r>
-              <a:rPr lang="en-US" altLang="zh-CN" sz="2400" dirty="0" smtClean="0"/>
-              <a:t>www.webppd.com/thread-517-1-1.html ,</a:t>
+              <a:t>UI</a:t>
             </a:r>
             <a:r>
               <a:rPr lang="zh-CN" altLang="en-US" sz="2400" dirty="0"/>
-              <a:t>学会三点，即可打造良好的交互设计</a:t>
-            </a:r>
-            <a:r>
-              <a:rPr lang="zh-CN" altLang="en-US" sz="2400" dirty="0" smtClean="0"/>
-              <a:t>效果</a:t>
-            </a:r>
-            <a:endParaRPr lang="en-US" altLang="zh-CN" sz="2400" dirty="0" smtClean="0"/>
-          </a:p>
-          <a:p>
-            <a:pPr marL="285750" indent="-285750">
-              <a:buFont typeface="Wingdings" panose="05000000000000000000" pitchFamily="2" charset="2"/>
-              <a:buChar char="l"/>
-            </a:pPr>
-            <a:endParaRPr lang="en-US" altLang="zh-CN" sz="2400" dirty="0"/>
-          </a:p>
-          <a:p>
-            <a:pPr marL="285750" indent="-285750">
-              <a:buFont typeface="Wingdings" panose="05000000000000000000" pitchFamily="2" charset="2"/>
-              <a:buChar char="l"/>
-            </a:pPr>
-            <a:r>
-              <a:rPr lang="en-US" altLang="zh-CN" sz="2400" dirty="0"/>
-              <a:t>http://</a:t>
-            </a:r>
-            <a:r>
-              <a:rPr lang="en-US" altLang="zh-CN" sz="2400" dirty="0" smtClean="0"/>
-              <a:t>www.webppd.com/thread-654-1-5.html,</a:t>
-            </a:r>
-            <a:r>
-              <a:rPr lang="zh-CN" altLang="en-US" sz="2400" dirty="0"/>
-              <a:t>到底什么才是交互设计 </a:t>
-            </a:r>
-            <a:endParaRPr lang="en-US" altLang="zh-CN" sz="2400" dirty="0"/>
+              <a:t>，客户，投资人，等</a:t>
+            </a:r>
           </a:p>
         </p:txBody>
       </p:sp>
     </p:spTree>
     <p:extLst>
       <p:ext uri="{BB962C8B-B14F-4D97-AF65-F5344CB8AC3E}">
-        <p14:creationId xmlns:p14="http://schemas.microsoft.com/office/powerpoint/2010/main" val="622525484"/>
+        <p14:creationId xmlns:p14="http://schemas.microsoft.com/office/powerpoint/2010/main" val="1606161713"/>
       </p:ext>
     </p:extLst>
   </p:cSld>
@@ -13241,7 +12998,7 @@
                             </p:stCondLst>
                             <p:childTnLst>
                               <p:par>
-                                <p:cTn id="5" presetID="14" presetClass="entr" presetSubtype="10" fill="hold" grpId="0" nodeType="clickEffect">
+                                <p:cTn id="5" presetID="1" presetClass="entr" presetSubtype="0" fill="hold" nodeType="clickEffect">
                                   <p:stCondLst>
                                     <p:cond delay="0"/>
                                   </p:stCondLst>
@@ -13254,7 +13011,11 @@
                                           </p:stCondLst>
                                         </p:cTn>
                                         <p:tgtEl>
-                                          <p:spTgt spid="3"/>
+                                          <p:spTgt spid="4">
+                                            <p:txEl>
+                                              <p:pRg st="0" end="0"/>
+                                            </p:txEl>
+                                          </p:spTgt>
                                         </p:tgtEl>
                                         <p:attrNameLst>
                                           <p:attrName>style.visibility</p:attrName>
@@ -13264,14 +13025,6 @@
                                         <p:strVal val="visible"/>
                                       </p:to>
                                     </p:set>
-                                    <p:animEffect transition="in" filter="randombar(horizontal)">
-                                      <p:cBhvr>
-                                        <p:cTn id="7" dur="500"/>
-                                        <p:tgtEl>
-                                          <p:spTgt spid="3"/>
-                                        </p:tgtEl>
-                                      </p:cBhvr>
-                                    </p:animEffect>
                                   </p:childTnLst>
                                 </p:cTn>
                               </p:par>
@@ -13302,9 +13055,6 @@
         </p:cTn>
       </p:par>
     </p:tnLst>
-    <p:bldLst>
-      <p:bldP spid="3" grpId="0"/>
-    </p:bldLst>
   </p:timing>
 </p:sld>
 </file>
@@ -13448,7 +13198,7 @@
           <a:ln/>
           <a:extLst>
             <a:ext uri="{91240B29-F687-4f45-9708-019B960494DF}">
-              <a14:hiddenLine xmlns:a14="http://schemas.microsoft.com/office/drawing/2010/main" xmlns="" w="9525">
+              <a14:hiddenLine xmlns="" xmlns:a14="http://schemas.microsoft.com/office/drawing/2010/main" w="9525">
                 <a:solidFill>
                   <a:srgbClr val="000000"/>
                 </a:solidFill>
@@ -13742,10 +13492,9 @@
           <a:lstStyle/>
           <a:p>
             <a:r>
-              <a:rPr lang="zh-CN" altLang="en-US" sz="4400" dirty="0" smtClean="0"/>
+              <a:rPr lang="zh-CN" altLang="en-US" sz="4400" dirty="0"/>
               <a:t>目录</a:t>
             </a:r>
-            <a:endParaRPr lang="zh-CN" altLang="en-US" sz="4400" dirty="0"/>
           </a:p>
         </p:txBody>
       </p:sp>
@@ -13894,7 +13643,7 @@
           <p:cNvPr id="2" name="标题 1">
             <a:extLst>
               <a:ext uri="{FF2B5EF4-FFF2-40B4-BE49-F238E27FC236}">
-                <a16:creationId xmlns:a16="http://schemas.microsoft.com/office/drawing/2014/main" id="{03F261DD-73E4-4180-97FD-1EE25B466BF2}"/>
+                <a16:creationId xmlns:a16="http://schemas.microsoft.com/office/drawing/2014/main" id="{029433F6-C7F9-4690-9C8A-51E513DA7BE9}"/>
               </a:ext>
             </a:extLst>
           </p:cNvPr>
@@ -13907,7 +13656,7 @@
         </p:nvSpPr>
         <p:spPr>
           <a:xfrm>
-            <a:off x="2379417" y="270826"/>
+            <a:off x="4584966" y="362111"/>
             <a:ext cx="10571998" cy="970450"/>
           </a:xfrm>
         </p:spPr>
@@ -13917,67 +13666,141 @@
           <a:p>
             <a:r>
               <a:rPr lang="zh-CN" altLang="en-US" dirty="0"/>
-              <a:t>小组成员分工与评价</a:t>
-            </a:r>
-            <a:r>
-              <a:rPr lang="en-US" altLang="zh-CN" dirty="0"/>
-              <a:t>(</a:t>
-            </a:r>
-            <a:r>
-              <a:rPr lang="zh-CN" altLang="en-US" dirty="0"/>
-              <a:t>总分</a:t>
-            </a:r>
-            <a:r>
-              <a:rPr lang="en-US" altLang="zh-CN" dirty="0"/>
-              <a:t>5</a:t>
-            </a:r>
-            <a:r>
-              <a:rPr lang="zh-CN" altLang="en-US" dirty="0"/>
-              <a:t>分）</a:t>
+              <a:t>参考资料</a:t>
             </a:r>
           </a:p>
         </p:txBody>
       </p:sp>
       <p:sp>
         <p:nvSpPr>
-          <p:cNvPr id="3" name="内容占位符 2">
+          <p:cNvPr id="3" name="文本框 2">
+            <a:hlinkClick r:id="rId2"/>
             <a:extLst>
               <a:ext uri="{FF2B5EF4-FFF2-40B4-BE49-F238E27FC236}">
-                <a16:creationId xmlns:a16="http://schemas.microsoft.com/office/drawing/2014/main" id="{2C3B77C6-9D77-4837-923D-3F06EBDDE5C8}"/>
+                <a16:creationId xmlns:a16="http://schemas.microsoft.com/office/drawing/2014/main" id="{220C1E04-0FAA-4810-9EB8-4FB5668628C3}"/>
               </a:ext>
             </a:extLst>
           </p:cNvPr>
-          <p:cNvSpPr>
-            <a:spLocks noGrp="1"/>
-          </p:cNvSpPr>
-          <p:nvPr>
-            <p:ph sz="half" idx="1"/>
-          </p:nvPr>
+          <p:cNvSpPr txBox="1"/>
+          <p:nvPr/>
         </p:nvSpPr>
         <p:spPr>
           <a:xfrm>
-            <a:off x="1480863" y="2527087"/>
-            <a:ext cx="8787743" cy="3638763"/>
+            <a:off x="339598" y="2337800"/>
+            <a:ext cx="11708023" cy="3416320"/>
           </a:xfrm>
+          <a:prstGeom prst="rect">
+            <a:avLst/>
+          </a:prstGeom>
+          <a:noFill/>
+          <a:ln>
+            <a:noFill/>
+          </a:ln>
         </p:spPr>
         <p:txBody>
-          <a:bodyPr>
-            <a:normAutofit/>
+          <a:bodyPr wrap="square" rtlCol="0">
+            <a:spAutoFit/>
           </a:bodyPr>
           <a:lstStyle/>
           <a:p>
-            <a:r>
-              <a:rPr lang="zh-CN" altLang="en-US" sz="2800" dirty="0" smtClean="0"/>
-              <a:t>空</a:t>
-            </a:r>
-            <a:endParaRPr lang="zh-CN" altLang="en-US" sz="2800" dirty="0"/>
+            <a:pPr marL="285750" indent="-285750">
+              <a:buFont typeface="Wingdings" panose="05000000000000000000" pitchFamily="2" charset="2"/>
+              <a:buChar char="l"/>
+            </a:pPr>
+            <a:r>
+              <a:rPr lang="en-GB" altLang="zh-CN" sz="2400" dirty="0">
+                <a:hlinkClick r:id="rId3"/>
+              </a:rPr>
+              <a:t>http://blog.csdn.net/htx_helloworld/article/details/39647517</a:t>
+            </a:r>
+            <a:r>
+              <a:rPr lang="en-US" altLang="zh-CN" sz="2400" dirty="0"/>
+              <a:t>,</a:t>
+            </a:r>
+            <a:r>
+              <a:rPr lang="zh-CN" altLang="en-US" sz="2400" dirty="0"/>
+              <a:t>原型界面简介</a:t>
+            </a:r>
+            <a:endParaRPr lang="en-US" altLang="zh-CN" sz="2400" dirty="0"/>
+          </a:p>
+          <a:p>
+            <a:pPr marL="285750" indent="-285750">
+              <a:buFont typeface="Wingdings" panose="05000000000000000000" pitchFamily="2" charset="2"/>
+              <a:buChar char="l"/>
+            </a:pPr>
+            <a:endParaRPr lang="en-US" altLang="zh-CN" sz="2400" dirty="0"/>
+          </a:p>
+          <a:p>
+            <a:pPr marL="285750" indent="-285750">
+              <a:buFont typeface="Wingdings" panose="05000000000000000000" pitchFamily="2" charset="2"/>
+              <a:buChar char="l"/>
+            </a:pPr>
+            <a:r>
+              <a:rPr lang="en-US" altLang="zh-CN" sz="2400" dirty="0">
+                <a:hlinkClick r:id="rId4"/>
+              </a:rPr>
+              <a:t>https://baike.baidu.com/item/axure%20rp/9653646?fr=Aladdin</a:t>
+            </a:r>
+            <a:r>
+              <a:rPr lang="en-US" altLang="zh-CN" sz="2400" dirty="0"/>
+              <a:t>,Axure RP </a:t>
+            </a:r>
+            <a:r>
+              <a:rPr lang="zh-CN" altLang="en-US" sz="2400" dirty="0"/>
+              <a:t>百度百科</a:t>
+            </a:r>
+            <a:endParaRPr lang="en-US" altLang="zh-CN" sz="2400" dirty="0"/>
+          </a:p>
+          <a:p>
+            <a:pPr marL="285750" indent="-285750">
+              <a:buFont typeface="Wingdings" panose="05000000000000000000" pitchFamily="2" charset="2"/>
+              <a:buChar char="l"/>
+            </a:pPr>
+            <a:endParaRPr lang="en-US" altLang="zh-CN" sz="2400" dirty="0"/>
+          </a:p>
+          <a:p>
+            <a:pPr marL="285750" indent="-285750">
+              <a:buFont typeface="Wingdings" panose="05000000000000000000" pitchFamily="2" charset="2"/>
+              <a:buChar char="l"/>
+            </a:pPr>
+            <a:r>
+              <a:rPr lang="en-US" altLang="zh-CN" sz="2400" dirty="0"/>
+              <a:t>http://www.webppd.com/thread-517-1-1.html ,</a:t>
+            </a:r>
+            <a:r>
+              <a:rPr lang="zh-CN" altLang="en-US" sz="2400" dirty="0"/>
+              <a:t>学会三点，即可打造良好的交互设计效果</a:t>
+            </a:r>
+            <a:endParaRPr lang="en-US" altLang="zh-CN" sz="2400" dirty="0"/>
+          </a:p>
+          <a:p>
+            <a:pPr marL="285750" indent="-285750">
+              <a:buFont typeface="Wingdings" panose="05000000000000000000" pitchFamily="2" charset="2"/>
+              <a:buChar char="l"/>
+            </a:pPr>
+            <a:endParaRPr lang="en-US" altLang="zh-CN" sz="2400" dirty="0"/>
+          </a:p>
+          <a:p>
+            <a:pPr marL="285750" indent="-285750">
+              <a:buFont typeface="Wingdings" panose="05000000000000000000" pitchFamily="2" charset="2"/>
+              <a:buChar char="l"/>
+            </a:pPr>
+            <a:r>
+              <a:rPr lang="en-US" altLang="zh-CN" sz="2400" dirty="0"/>
+              <a:t>http://www.webppd.com/thread-654-1-5.html,</a:t>
+            </a:r>
+            <a:r>
+              <a:rPr lang="zh-CN" altLang="en-US" sz="2400" dirty="0"/>
+              <a:t>到底什么才是交互设计 </a:t>
+            </a:r>
+            <a:endParaRPr lang="en-US" altLang="zh-CN" sz="2400" dirty="0"/>
           </a:p>
         </p:txBody>
       </p:sp>
     </p:spTree>
     <p:extLst>
       <p:ext uri="{BB962C8B-B14F-4D97-AF65-F5344CB8AC3E}">
-        <p14:creationId xmlns:p14="http://schemas.microsoft.com/office/powerpoint/2010/main" val="3388837790"/>
+        <p14:creationId xmlns:p14="http://schemas.microsoft.com/office/powerpoint/2010/main" val="622525484"/>
       </p:ext>
     </p:extLst>
   </p:cSld>
@@ -13987,9 +13810,88 @@
   <p:timing>
     <p:tnLst>
       <p:par>
-        <p:cTn id="1" dur="indefinite" restart="never" nodeType="tmRoot"/>
+        <p:cTn id="1" dur="indefinite" restart="never" nodeType="tmRoot">
+          <p:childTnLst>
+            <p:seq concurrent="1" nextAc="seek">
+              <p:cTn id="2" dur="indefinite" nodeType="mainSeq">
+                <p:childTnLst>
+                  <p:par>
+                    <p:cTn id="3" fill="hold">
+                      <p:stCondLst>
+                        <p:cond delay="indefinite"/>
+                      </p:stCondLst>
+                      <p:childTnLst>
+                        <p:par>
+                          <p:cTn id="4" fill="hold">
+                            <p:stCondLst>
+                              <p:cond delay="0"/>
+                            </p:stCondLst>
+                            <p:childTnLst>
+                              <p:par>
+                                <p:cTn id="5" presetID="14" presetClass="entr" presetSubtype="10" fill="hold" grpId="0" nodeType="clickEffect">
+                                  <p:stCondLst>
+                                    <p:cond delay="0"/>
+                                  </p:stCondLst>
+                                  <p:childTnLst>
+                                    <p:set>
+                                      <p:cBhvr>
+                                        <p:cTn id="6" dur="1" fill="hold">
+                                          <p:stCondLst>
+                                            <p:cond delay="0"/>
+                                          </p:stCondLst>
+                                        </p:cTn>
+                                        <p:tgtEl>
+                                          <p:spTgt spid="3"/>
+                                        </p:tgtEl>
+                                        <p:attrNameLst>
+                                          <p:attrName>style.visibility</p:attrName>
+                                        </p:attrNameLst>
+                                      </p:cBhvr>
+                                      <p:to>
+                                        <p:strVal val="visible"/>
+                                      </p:to>
+                                    </p:set>
+                                    <p:animEffect transition="in" filter="randombar(horizontal)">
+                                      <p:cBhvr>
+                                        <p:cTn id="7" dur="500"/>
+                                        <p:tgtEl>
+                                          <p:spTgt spid="3"/>
+                                        </p:tgtEl>
+                                      </p:cBhvr>
+                                    </p:animEffect>
+                                  </p:childTnLst>
+                                </p:cTn>
+                              </p:par>
+                            </p:childTnLst>
+                          </p:cTn>
+                        </p:par>
+                      </p:childTnLst>
+                    </p:cTn>
+                  </p:par>
+                </p:childTnLst>
+              </p:cTn>
+              <p:prevCondLst>
+                <p:cond evt="onPrev" delay="0">
+                  <p:tgtEl>
+                    <p:sldTgt/>
+                  </p:tgtEl>
+                </p:cond>
+              </p:prevCondLst>
+              <p:nextCondLst>
+                <p:cond evt="onNext" delay="0">
+                  <p:tgtEl>
+                    <p:sldTgt/>
+                  </p:tgtEl>
+                </p:cond>
+              </p:nextCondLst>
+            </p:seq>
+          </p:childTnLst>
+        </p:cTn>
       </p:par>
     </p:tnLst>
+    <p:bldLst>
+      <p:bldP spid="3" grpId="0"/>
+    </p:bldLst>
   </p:timing>
 </p:sld>
 </file>
@@ -14016,7 +13918,7 @@
           <p:cNvPr id="2" name="标题 1">
             <a:extLst>
               <a:ext uri="{FF2B5EF4-FFF2-40B4-BE49-F238E27FC236}">
-                <a16:creationId xmlns:a16="http://schemas.microsoft.com/office/drawing/2014/main" id="{8050F867-BC96-4BDE-8D9B-B611C1196787}"/>
+                <a16:creationId xmlns:a16="http://schemas.microsoft.com/office/drawing/2014/main" id="{03F261DD-73E4-4180-97FD-1EE25B466BF2}"/>
               </a:ext>
             </a:extLst>
           </p:cNvPr>
@@ -14029,7 +13931,7 @@
         </p:nvSpPr>
         <p:spPr>
           <a:xfrm>
-            <a:off x="2630173" y="429935"/>
+            <a:off x="3430451" y="302357"/>
             <a:ext cx="10571998" cy="970450"/>
           </a:xfrm>
         </p:spPr>
@@ -14038,81 +13940,168 @@
           <a:lstStyle/>
           <a:p>
             <a:r>
-              <a:rPr lang="zh-CN" altLang="en-US" dirty="0" smtClean="0"/>
-              <a:t>制作</a:t>
-            </a:r>
-            <a:r>
-              <a:rPr lang="en-US" altLang="zh-CN" dirty="0" smtClean="0"/>
-              <a:t>/</a:t>
-            </a:r>
-            <a:r>
-              <a:rPr lang="zh-CN" altLang="en-US" dirty="0" smtClean="0"/>
-              <a:t>了解过程</a:t>
-            </a:r>
-            <a:r>
               <a:rPr lang="zh-CN" altLang="en-US" dirty="0"/>
-              <a:t>遇到的问题</a:t>
+              <a:t>小组成员分工与评价</a:t>
             </a:r>
           </a:p>
         </p:txBody>
       </p:sp>
       <p:sp>
         <p:nvSpPr>
-          <p:cNvPr id="3" name="文本框 2">
+          <p:cNvPr id="3" name="内容占位符 2">
             <a:extLst>
               <a:ext uri="{FF2B5EF4-FFF2-40B4-BE49-F238E27FC236}">
-                <a16:creationId xmlns:a16="http://schemas.microsoft.com/office/drawing/2014/main" id="{4CDAD1FD-D4D8-48D1-81CD-F860BAF3F91C}"/>
+                <a16:creationId xmlns:a16="http://schemas.microsoft.com/office/drawing/2014/main" id="{2C3B77C6-9D77-4837-923D-3F06EBDDE5C8}"/>
               </a:ext>
             </a:extLst>
           </p:cNvPr>
-          <p:cNvSpPr txBox="1"/>
-          <p:nvPr/>
+          <p:cNvSpPr>
+            <a:spLocks noGrp="1"/>
+          </p:cNvSpPr>
+          <p:nvPr>
+            <p:ph sz="half" idx="1"/>
+          </p:nvPr>
         </p:nvSpPr>
         <p:spPr>
           <a:xfrm>
-            <a:off x="1121433" y="2675467"/>
-            <a:ext cx="9230478" cy="369332"/>
+            <a:off x="1480863" y="2527087"/>
+            <a:ext cx="8787743" cy="3638763"/>
           </a:xfrm>
-          <a:prstGeom prst="rect">
-            <a:avLst/>
-          </a:prstGeom>
-          <a:noFill/>
         </p:spPr>
         <p:txBody>
-          <a:bodyPr wrap="square" rtlCol="0">
-            <a:spAutoFit/>
+          <a:bodyPr>
+            <a:normAutofit/>
           </a:bodyPr>
           <a:lstStyle/>
           <a:p>
-            <a:pPr marL="285750" indent="-285750">
-              <a:buFont typeface="Arial" panose="020B0604020202020204" pitchFamily="34" charset="0"/>
-              <a:buChar char="•"/>
-            </a:pPr>
-            <a:r>
-              <a:rPr lang="zh-CN" altLang="en-US" dirty="0" smtClean="0"/>
-              <a:t>空</a:t>
-            </a:r>
-            <a:endParaRPr lang="zh-CN" altLang="en-US" dirty="0"/>
+            <a:r>
+              <a:rPr lang="zh-CN" altLang="en-US" sz="2800" dirty="0"/>
+              <a:t>黄栋</a:t>
+            </a:r>
+            <a:r>
+              <a:rPr lang="en-US" altLang="zh-CN" sz="2800" dirty="0"/>
+              <a:t>-</a:t>
+            </a:r>
+            <a:r>
+              <a:rPr lang="zh-CN" altLang="en-US" sz="2800" dirty="0"/>
+              <a:t>材搜集资料</a:t>
+            </a:r>
+            <a:r>
+              <a:rPr lang="en-US" altLang="zh-CN" sz="2800" dirty="0"/>
+              <a:t>——89</a:t>
+            </a:r>
+            <a:r>
+              <a:rPr lang="zh-CN" altLang="en-US" sz="2800" dirty="0"/>
+              <a:t>分</a:t>
+            </a:r>
+            <a:endParaRPr lang="en-US" altLang="zh-CN" sz="2800" dirty="0"/>
+          </a:p>
+          <a:p>
+            <a:r>
+              <a:rPr lang="zh-CN" altLang="en-US" sz="2800" dirty="0"/>
+              <a:t>冯涛</a:t>
+            </a:r>
+            <a:r>
+              <a:rPr lang="en-US" altLang="zh-CN" sz="2800" dirty="0"/>
+              <a:t>-</a:t>
+            </a:r>
+            <a:r>
+              <a:rPr lang="zh-CN" altLang="en-US" sz="2800" dirty="0"/>
+              <a:t>提意见</a:t>
+            </a:r>
+            <a:r>
+              <a:rPr lang="en-US" altLang="zh-CN" sz="2800" dirty="0"/>
+              <a:t>——85</a:t>
+            </a:r>
+            <a:r>
+              <a:rPr lang="zh-CN" altLang="en-US" sz="2800" dirty="0"/>
+              <a:t>分</a:t>
+            </a:r>
+            <a:endParaRPr lang="en-US" altLang="zh-CN" sz="2800" dirty="0"/>
+          </a:p>
+          <a:p>
+            <a:r>
+              <a:rPr lang="zh-CN" altLang="en-US" sz="2800" dirty="0"/>
+              <a:t>徐鹏（负责人） </a:t>
+            </a:r>
+            <a:r>
+              <a:rPr lang="en-US" altLang="zh-CN" sz="2800" dirty="0"/>
+              <a:t>-ppt</a:t>
+            </a:r>
+            <a:r>
+              <a:rPr lang="zh-CN" altLang="en-US" sz="2800" dirty="0"/>
+              <a:t>制作</a:t>
+            </a:r>
+            <a:r>
+              <a:rPr lang="en-US" altLang="zh-CN" sz="2800" dirty="0"/>
+              <a:t>——95</a:t>
+            </a:r>
+            <a:r>
+              <a:rPr lang="zh-CN" altLang="en-US" sz="2800" dirty="0"/>
+              <a:t>分</a:t>
+            </a:r>
+            <a:endParaRPr lang="en-US" altLang="zh-CN" sz="2800" dirty="0"/>
+          </a:p>
+          <a:p>
+            <a:r>
+              <a:rPr lang="zh-CN" altLang="en-US" sz="2800" dirty="0"/>
+              <a:t>陈泓见</a:t>
+            </a:r>
+            <a:r>
+              <a:rPr lang="en-US" altLang="zh-CN" sz="2800" dirty="0"/>
+              <a:t>-</a:t>
+            </a:r>
+            <a:r>
+              <a:rPr lang="zh-CN" altLang="en-US" sz="2800" dirty="0"/>
+              <a:t>查验</a:t>
+            </a:r>
+            <a:r>
+              <a:rPr lang="en-US" altLang="zh-CN" sz="2800" dirty="0"/>
+              <a:t>PPT——86</a:t>
+            </a:r>
+            <a:r>
+              <a:rPr lang="zh-CN" altLang="en-US" sz="2800" dirty="0"/>
+              <a:t>分</a:t>
+            </a:r>
+            <a:endParaRPr lang="en-US" altLang="zh-CN" sz="2800" dirty="0"/>
+          </a:p>
+          <a:p>
+            <a:r>
+              <a:rPr lang="zh-CN" altLang="en-US" sz="2800" dirty="0"/>
+              <a:t>童威男</a:t>
+            </a:r>
+            <a:r>
+              <a:rPr lang="en-US" altLang="zh-CN" sz="2800" dirty="0"/>
+              <a:t>-</a:t>
+            </a:r>
+            <a:r>
+              <a:rPr lang="zh-CN" altLang="en-US" sz="2800" dirty="0"/>
+              <a:t>查验</a:t>
+            </a:r>
+            <a:r>
+              <a:rPr lang="en-US" altLang="zh-CN" sz="2800" dirty="0"/>
+              <a:t>ppt——87</a:t>
+            </a:r>
+            <a:r>
+              <a:rPr lang="zh-CN" altLang="en-US" sz="2800" dirty="0"/>
+              <a:t>分</a:t>
+            </a:r>
+          </a:p>
+          <a:p>
+            <a:endParaRPr lang="zh-CN" altLang="en-US" sz="2800" dirty="0"/>
           </a:p>
         </p:txBody>
       </p:sp>
     </p:spTree>
     <p:extLst>
       <p:ext uri="{BB962C8B-B14F-4D97-AF65-F5344CB8AC3E}">
-        <p14:creationId xmlns:p14="http://schemas.microsoft.com/office/powerpoint/2010/main" val="2655558641"/>
+        <p14:creationId xmlns:p14="http://schemas.microsoft.com/office/powerpoint/2010/main" val="1997443089"/>
       </p:ext>
     </p:extLst>
   </p:cSld>
   <p:clrMapOvr>
     <a:masterClrMapping/>
   </p:clrMapOvr>
-  <p:timing>
-    <p:tnLst>
-      <p:par>
-        <p:cTn id="1" dur="indefinite" restart="never" nodeType="tmRoot"/>
-      </p:par>
-    </p:tnLst>
-  </p:timing>
 </p:sld>
 </file>
 
@@ -14164,7 +14153,6 @@
               <a:rPr lang="zh-CN" altLang="en-US" sz="6000" dirty="0"/>
               <a:t>简介</a:t>
             </a:r>
-            <a:endParaRPr lang="zh-CN" altLang="en-US" sz="6000" dirty="0"/>
           </a:p>
         </p:txBody>
       </p:sp>
@@ -14195,16 +14183,10 @@
           <a:lstStyle/>
           <a:p>
             <a:r>
-              <a:rPr lang="zh-CN" altLang="en-US" sz="3200" dirty="0" smtClean="0">
-                <a:latin typeface="+mn-ea"/>
-              </a:rPr>
-              <a:t> </a:t>
-            </a:r>
-            <a:r>
               <a:rPr lang="zh-CN" altLang="en-US" sz="3200" dirty="0">
                 <a:latin typeface="+mn-ea"/>
               </a:rPr>
-              <a:t> 产品原型可以概括的说是整个产品面市之前的一个框架设计</a:t>
+              <a:t>  产品原型可以概括的说是整个产品面市之前的一个框架设计</a:t>
             </a:r>
             <a:r>
               <a:rPr lang="en-US" altLang="zh-CN" sz="3200" dirty="0">
@@ -14260,7 +14242,7 @@
               </a:rPr>
               <a:t>.</a:t>
             </a:r>
-            <a:endParaRPr lang="en-US" altLang="zh-CN" sz="2000" dirty="0" smtClean="0">
+            <a:endParaRPr lang="en-US" altLang="zh-CN" sz="2000" dirty="0">
               <a:latin typeface="+mn-ea"/>
             </a:endParaRPr>
           </a:p>
@@ -14421,7 +14403,6 @@
               <a:rPr lang="zh-CN" altLang="en-US" sz="6000" dirty="0"/>
               <a:t>对象</a:t>
             </a:r>
-            <a:endParaRPr lang="zh-CN" altLang="en-US" sz="6000" dirty="0"/>
           </a:p>
         </p:txBody>
       </p:sp>
@@ -14465,67 +14446,34 @@
           </a:p>
           <a:p>
             <a:r>
-              <a:rPr lang="zh-CN" altLang="en-US" sz="3200" dirty="0" smtClean="0">
+              <a:rPr lang="zh-CN" altLang="en-US" sz="3200" dirty="0">
                 <a:latin typeface="+mn-ea"/>
               </a:rPr>
               <a:t>用户：确认需求，用来了解用户界面，提出建议；</a:t>
             </a:r>
-            <a:endParaRPr lang="zh-CN" altLang="en-US" sz="3200" dirty="0">
-              <a:latin typeface="+mn-ea"/>
-            </a:endParaRPr>
           </a:p>
           <a:p>
             <a:r>
               <a:rPr lang="zh-CN" altLang="en-US" sz="3200" dirty="0">
                 <a:latin typeface="+mn-ea"/>
               </a:rPr>
-              <a:t>系统分析</a:t>
-            </a:r>
-            <a:r>
-              <a:rPr lang="zh-CN" altLang="en-US" sz="3200" dirty="0" smtClean="0">
-                <a:latin typeface="+mn-ea"/>
-              </a:rPr>
-              <a:t>员：用来</a:t>
-            </a:r>
+              <a:t>系统分析员：用来了解用户界面如何影响系统分析；</a:t>
+            </a:r>
+          </a:p>
+          <a:p>
             <a:r>
               <a:rPr lang="zh-CN" altLang="en-US" sz="3200" dirty="0">
                 <a:latin typeface="+mn-ea"/>
               </a:rPr>
-              <a:t>了解用户界面如何影响系统分析；</a:t>
-            </a:r>
-          </a:p>
-          <a:p>
-            <a:r>
-              <a:rPr lang="zh-CN" altLang="en-US" sz="3200" dirty="0" smtClean="0">
-                <a:latin typeface="+mn-ea"/>
-              </a:rPr>
-              <a:t>设计员：用来</a:t>
-            </a:r>
+              <a:t>设计员：用来了解用户界面如何施加影响及它对系统“内部”的要求；</a:t>
+            </a:r>
+          </a:p>
+          <a:p>
             <a:r>
               <a:rPr lang="zh-CN" altLang="en-US" sz="3200" dirty="0">
                 <a:latin typeface="+mn-ea"/>
               </a:rPr>
-              <a:t>了解用户界面如何施加影响及它对系统“内部”的要求；</a:t>
-            </a:r>
-          </a:p>
-          <a:p>
-            <a:r>
-              <a:rPr lang="zh-CN" altLang="en-US" sz="3200" dirty="0">
-                <a:latin typeface="+mn-ea"/>
-              </a:rPr>
-              <a:t>类测试</a:t>
-            </a:r>
-            <a:r>
-              <a:rPr lang="zh-CN" altLang="en-US" sz="3200" dirty="0" smtClean="0">
-                <a:latin typeface="+mn-ea"/>
-              </a:rPr>
-              <a:t>人员：用来</a:t>
-            </a:r>
-            <a:r>
-              <a:rPr lang="zh-CN" altLang="en-US" sz="3200" dirty="0">
-                <a:latin typeface="+mn-ea"/>
-              </a:rPr>
-              <a:t>制定测试计划活动。</a:t>
+              <a:t>类测试人员：用来制定测试计划活动。</a:t>
             </a:r>
             <a:endParaRPr lang="zh-CN" altLang="en-US" b="1" dirty="0"/>
           </a:p>
@@ -14924,10 +14872,9 @@
           <a:p>
             <a:pPr algn="ctr"/>
             <a:r>
-              <a:rPr lang="zh-CN" altLang="en-US" sz="6000" dirty="0" smtClean="0"/>
+              <a:rPr lang="zh-CN" altLang="en-US" sz="6000" dirty="0"/>
               <a:t>原型</a:t>
             </a:r>
-            <a:endParaRPr lang="zh-CN" altLang="en-US" sz="6000" dirty="0"/>
           </a:p>
         </p:txBody>
       </p:sp>
@@ -14969,44 +14916,26 @@
           </a:p>
           <a:p>
             <a:r>
-              <a:rPr lang="zh-CN" altLang="en-US" sz="3200" dirty="0" smtClean="0">
-                <a:latin typeface="+mn-ea"/>
-              </a:rPr>
-              <a:t>图纸</a:t>
-            </a:r>
-            <a:r>
               <a:rPr lang="zh-CN" altLang="en-US" sz="3200" dirty="0">
                 <a:latin typeface="+mn-ea"/>
               </a:rPr>
-              <a:t>（在纸上）</a:t>
-            </a:r>
-          </a:p>
-          <a:p>
-            <a:r>
-              <a:rPr lang="zh-CN" altLang="en-US" sz="3200" dirty="0" smtClean="0">
-                <a:latin typeface="+mn-ea"/>
-              </a:rPr>
-              <a:t>位图</a:t>
-            </a:r>
+              <a:t>图纸（在纸上）</a:t>
+            </a:r>
+          </a:p>
+          <a:p>
             <a:r>
               <a:rPr lang="zh-CN" altLang="en-US" sz="3200" dirty="0">
                 <a:latin typeface="+mn-ea"/>
               </a:rPr>
-              <a:t>（绘图工具）</a:t>
-            </a:r>
-          </a:p>
-          <a:p>
-            <a:r>
-              <a:rPr lang="zh-CN" altLang="en-US" sz="3200" dirty="0" smtClean="0">
-                <a:latin typeface="+mn-ea"/>
-              </a:rPr>
-              <a:t>可</a:t>
-            </a:r>
+              <a:t>位图（绘图工具）</a:t>
+            </a:r>
+          </a:p>
+          <a:p>
             <a:r>
               <a:rPr lang="zh-CN" altLang="en-US" sz="3200" dirty="0">
                 <a:latin typeface="+mn-ea"/>
               </a:rPr>
-              <a:t>执行文件（交互式）</a:t>
+              <a:t>可执行文件（交互式）</a:t>
             </a:r>
           </a:p>
           <a:p>
@@ -15014,20 +14943,14 @@
               <a:buNone/>
             </a:pPr>
             <a:r>
-              <a:rPr lang="zh-CN" altLang="en-US" sz="3200" dirty="0" smtClean="0">
-                <a:latin typeface="+mn-ea"/>
-              </a:rPr>
-              <a:t>很多</a:t>
-            </a:r>
-            <a:r>
               <a:rPr lang="zh-CN" altLang="en-US" sz="3200" dirty="0">
                 <a:latin typeface="+mn-ea"/>
               </a:rPr>
-              <a:t>项目中，您需要按上述顺序使用全部三种原型。</a:t>
-            </a:r>
-          </a:p>
-          <a:p>
-            <a:endParaRPr lang="en-US" altLang="zh-CN" sz="2000" dirty="0" smtClean="0">
+              <a:t>很多项目中，您需要按上述顺序使用全部三种原型。</a:t>
+            </a:r>
+          </a:p>
+          <a:p>
+            <a:endParaRPr lang="en-US" altLang="zh-CN" sz="2000" dirty="0">
               <a:latin typeface="+mn-ea"/>
             </a:endParaRPr>
           </a:p>
@@ -15429,10 +15352,9 @@
           <a:p>
             <a:pPr algn="ctr"/>
             <a:r>
-              <a:rPr lang="zh-CN" altLang="en-US" sz="6000" dirty="0" smtClean="0"/>
+              <a:rPr lang="zh-CN" altLang="en-US" sz="6000" dirty="0"/>
               <a:t>时机</a:t>
             </a:r>
-            <a:endParaRPr lang="zh-CN" altLang="en-US" sz="6000" dirty="0"/>
           </a:p>
         </p:txBody>
       </p:sp>
@@ -15465,18 +15387,12 @@
           <a:lstStyle/>
           <a:p>
             <a:r>
-              <a:rPr lang="zh-CN" altLang="en-US" sz="3200" dirty="0" smtClean="0">
+              <a:rPr lang="zh-CN" altLang="en-US" sz="3200" dirty="0">
                 <a:latin typeface="+mn-ea"/>
               </a:rPr>
-              <a:t>界面原型可以在需求分析阶段，完成用例过程中，或者完成用例</a:t>
-            </a:r>
-            <a:r>
-              <a:rPr lang="zh-CN" altLang="en-US" sz="3200" dirty="0" smtClean="0">
-                <a:latin typeface="+mn-ea"/>
-              </a:rPr>
-              <a:t>后进行设计，协助需求分析。</a:t>
-            </a:r>
-            <a:endParaRPr lang="en-US" altLang="zh-CN" sz="3200" dirty="0" smtClean="0">
+              <a:t>界面原型可以在需求分析阶段，完成用例过程中，或者完成用例后进行设计，协助需求分析。</a:t>
+            </a:r>
+            <a:endParaRPr lang="en-US" altLang="zh-CN" sz="3200" dirty="0">
               <a:latin typeface="+mn-ea"/>
             </a:endParaRPr>
           </a:p>
@@ -15487,7 +15403,7 @@
               </a:rPr>
               <a:t>创建用户界面原型的主要目的是在实际设计与开发开始之前揭示和测试系统的功能与可用性。这样，您可以在将太多时间与资源投入开发活动之前，确保所构建的系统是正确的。</a:t>
             </a:r>
-            <a:endParaRPr lang="en-US" altLang="zh-CN" sz="3200" dirty="0" smtClean="0">
+            <a:endParaRPr lang="en-US" altLang="zh-CN" sz="3200" dirty="0">
               <a:latin typeface="+mn-ea"/>
             </a:endParaRPr>
           </a:p>
@@ -15496,7 +15412,6 @@
               <a:rPr lang="zh-CN" altLang="en-US" sz="3200" dirty="0"/>
               <a:t>开发原型的开支必须远远低于开发实际系统的开支，同时这个原型应具备足够的功能，可以进行有意义的使用测试。</a:t>
             </a:r>
-            <a:endParaRPr lang="zh-CN" altLang="en-US" sz="3200" dirty="0"/>
           </a:p>
         </p:txBody>
       </p:sp>
@@ -15759,11 +15674,11 @@
           <a:lstStyle/>
           <a:p>
             <a:r>
-              <a:rPr lang="zh-CN" altLang="en-US" dirty="0" smtClean="0"/>
+              <a:rPr lang="zh-CN" altLang="en-US" dirty="0"/>
               <a:t>问题</a:t>
             </a:r>
             <a:r>
-              <a:rPr lang="en-US" altLang="zh-CN" dirty="0" smtClean="0"/>
+              <a:rPr lang="en-US" altLang="zh-CN" dirty="0"/>
               <a:t>1</a:t>
             </a:r>
             <a:endParaRPr lang="zh-CN" altLang="en-US" dirty="0"/>
@@ -15796,7 +15711,7 @@
               <a:buNone/>
             </a:pPr>
             <a:r>
-              <a:rPr lang="zh-CN" altLang="en-US" sz="2800" dirty="0" smtClean="0">
+              <a:rPr lang="zh-CN" altLang="en-US" sz="2800" dirty="0">
                 <a:latin typeface="+mn-ea"/>
               </a:rPr>
               <a:t>我们为什么要使用界面原型？</a:t>
@@ -16032,7 +15947,7 @@
               <a:buNone/>
             </a:pPr>
             <a:r>
-              <a:rPr lang="zh-CN" altLang="en-US" sz="2800" dirty="0" smtClean="0">
+              <a:rPr lang="zh-CN" altLang="en-US" sz="2800" dirty="0">
                 <a:latin typeface="+mn-ea"/>
               </a:rPr>
               <a:t>确认需求，节省成本</a:t>
@@ -16196,11 +16111,7 @@
             </a:r>
             <a:r>
               <a:rPr lang="en-GB" altLang="zh-CN" sz="6000" dirty="0"/>
-              <a:t> </a:t>
-            </a:r>
-            <a:r>
-              <a:rPr lang="en-GB" altLang="zh-CN" sz="6000" dirty="0" smtClean="0"/>
-              <a:t>RP8</a:t>
+              <a:t> RP8</a:t>
             </a:r>
             <a:endParaRPr lang="zh-CN" altLang="en-US" sz="6000" dirty="0"/>
           </a:p>
@@ -16235,16 +16146,46 @@
           <a:lstStyle/>
           <a:p>
             <a:r>
-              <a:rPr lang="en-US" altLang="zh-CN" sz="3200" dirty="0" err="1" smtClean="0">
+              <a:rPr lang="en-US" altLang="zh-CN" sz="3200" dirty="0" err="1">
                 <a:latin typeface="+mn-ea"/>
               </a:rPr>
               <a:t>Axure</a:t>
             </a:r>
             <a:r>
-              <a:rPr lang="en-US" altLang="zh-CN" sz="3200" dirty="0" smtClean="0">
+              <a:rPr lang="en-US" altLang="zh-CN" sz="3200" dirty="0">
                 <a:latin typeface="+mn-ea"/>
               </a:rPr>
-              <a:t> </a:t>
+              <a:t> RP</a:t>
+            </a:r>
+            <a:r>
+              <a:rPr lang="zh-CN" altLang="en-US" sz="3200" dirty="0">
+                <a:latin typeface="+mn-ea"/>
+              </a:rPr>
+              <a:t>是一个专业的快速原型设计工具。</a:t>
+            </a:r>
+            <a:r>
+              <a:rPr lang="en-US" altLang="zh-CN" sz="3200" dirty="0" err="1">
+                <a:latin typeface="+mn-ea"/>
+              </a:rPr>
+              <a:t>Axure</a:t>
+            </a:r>
+            <a:r>
+              <a:rPr lang="zh-CN" altLang="en-US" sz="3200" dirty="0">
+                <a:latin typeface="+mn-ea"/>
+              </a:rPr>
+              <a:t>，代表美国</a:t>
+            </a:r>
+            <a:r>
+              <a:rPr lang="en-US" altLang="zh-CN" sz="3200" dirty="0" err="1">
+                <a:latin typeface="+mn-ea"/>
+              </a:rPr>
+              <a:t>Axure</a:t>
+            </a:r>
+            <a:r>
+              <a:rPr lang="zh-CN" altLang="en-US" sz="3200" dirty="0">
+                <a:latin typeface="+mn-ea"/>
+              </a:rPr>
+              <a:t>公司；</a:t>
             </a:r>
             <a:r>
               <a:rPr lang="en-US" altLang="zh-CN" sz="3200" dirty="0">
@@ -16256,26 +16197,22 @@
               <a:rPr lang="zh-CN" altLang="en-US" sz="3200" dirty="0">
                 <a:latin typeface="+mn-ea"/>
               </a:rPr>
-              <a:t>是一个专业的快速原型设计工具。</a:t>
-            </a:r>
-            <a:r>
-              <a:rPr lang="en-US" altLang="zh-CN" sz="3200" dirty="0" err="1" smtClean="0">
+              <a:t>则是</a:t>
+            </a:r>
+            <a:r>
+              <a:rPr lang="en-US" altLang="zh-CN" sz="3200" dirty="0">
                 <a:latin typeface="+mn-ea"/>
               </a:rPr>
-              <a:t>Axure</a:t>
-            </a:r>
-            <a:r>
-              <a:rPr lang="zh-CN" altLang="en-US" sz="3200" dirty="0" smtClean="0">
-                <a:latin typeface="+mn-ea"/>
-              </a:rPr>
-              <a:t>，</a:t>
+              <a:t>Rapid Prototyping</a:t>
             </a:r>
             <a:r>
               <a:rPr lang="zh-CN" altLang="en-US" sz="3200" dirty="0">
                 <a:latin typeface="+mn-ea"/>
               </a:rPr>
-              <a:t>代表美国</a:t>
-            </a:r>
+              <a:t>（快速原型）的缩写。</a:t>
+            </a:r>
+          </a:p>
+          <a:p>
             <a:r>
               <a:rPr lang="en-US" altLang="zh-CN" sz="3200" dirty="0" err="1">
                 <a:latin typeface="+mn-ea"/>
@@ -16283,37 +16220,17 @@
               <a:t>Axure</a:t>
             </a:r>
             <a:r>
+              <a:rPr lang="en-US" altLang="zh-CN" sz="3200" dirty="0">
+                <a:latin typeface="+mn-ea"/>
+              </a:rPr>
+              <a:t> RP</a:t>
+            </a:r>
+            <a:r>
               <a:rPr lang="zh-CN" altLang="en-US" sz="3200" dirty="0">
                 <a:latin typeface="+mn-ea"/>
               </a:rPr>
-              <a:t>公司；</a:t>
-            </a:r>
-            <a:r>
-              <a:rPr lang="en-US" altLang="zh-CN" sz="3200" dirty="0">
-                <a:latin typeface="+mn-ea"/>
-              </a:rPr>
-              <a:t>RP</a:t>
-            </a:r>
-            <a:r>
-              <a:rPr lang="zh-CN" altLang="en-US" sz="3200" dirty="0">
-                <a:latin typeface="+mn-ea"/>
-              </a:rPr>
-              <a:t>则是</a:t>
-            </a:r>
-            <a:r>
-              <a:rPr lang="en-US" altLang="zh-CN" sz="3200" dirty="0">
-                <a:latin typeface="+mn-ea"/>
-              </a:rPr>
-              <a:t>Rapid Prototyping</a:t>
-            </a:r>
-            <a:r>
-              <a:rPr lang="zh-CN" altLang="en-US" sz="3200" dirty="0">
-                <a:latin typeface="+mn-ea"/>
-              </a:rPr>
-              <a:t>（快速原型）的缩写。</a:t>
-            </a:r>
-          </a:p>
-          <a:p>
+              <a:t>是美国</a:t>
+            </a:r>
             <a:r>
               <a:rPr lang="en-US" altLang="zh-CN" sz="3200" dirty="0" err="1">
                 <a:latin typeface="+mn-ea"/>
@@ -16324,43 +16241,13 @@
               <a:rPr lang="en-US" altLang="zh-CN" sz="3200" dirty="0">
                 <a:latin typeface="+mn-ea"/>
               </a:rPr>
-              <a:t> RP</a:t>
+              <a:t> Software Solution</a:t>
             </a:r>
             <a:r>
               <a:rPr lang="zh-CN" altLang="en-US" sz="3200" dirty="0">
                 <a:latin typeface="+mn-ea"/>
               </a:rPr>
-              <a:t>是美国</a:t>
-            </a:r>
-            <a:r>
-              <a:rPr lang="en-US" altLang="zh-CN" sz="3200" dirty="0" err="1">
-                <a:latin typeface="+mn-ea"/>
-              </a:rPr>
-              <a:t>Axure</a:t>
-            </a:r>
-            <a:r>
-              <a:rPr lang="en-US" altLang="zh-CN" sz="3200" dirty="0">
-                <a:latin typeface="+mn-ea"/>
-              </a:rPr>
-              <a:t> Software Solution</a:t>
-            </a:r>
-            <a:r>
-              <a:rPr lang="zh-CN" altLang="en-US" sz="3200" dirty="0">
-                <a:latin typeface="+mn-ea"/>
-              </a:rPr>
-              <a:t>公司旗舰产品，是一个专业的快速原型设计工具，让负责定义需求和规格、设计功能和界面的专家能够快速</a:t>
-            </a:r>
-            <a:r>
-              <a:rPr lang="zh-CN" altLang="en-US" sz="3200" dirty="0" smtClean="0">
-                <a:latin typeface="+mn-ea"/>
-              </a:rPr>
-              <a:t>创建，它</a:t>
-            </a:r>
-            <a:r>
-              <a:rPr lang="zh-CN" altLang="en-US" sz="3200" dirty="0">
-                <a:latin typeface="+mn-ea"/>
-              </a:rPr>
-              <a:t>应用软件或</a:t>
+              <a:t>公司旗舰产品，是一个专业的快速原型设计工具，让负责定义需求和规格、设计功能和界面的专家能够快速创建，它应用软件或</a:t>
             </a:r>
             <a:r>
               <a:rPr lang="en-US" altLang="zh-CN" sz="3200" dirty="0">
@@ -16372,27 +16259,9 @@
               <a:rPr lang="zh-CN" altLang="en-US" sz="3200" dirty="0">
                 <a:latin typeface="+mn-ea"/>
               </a:rPr>
-              <a:t>网站的线框图、流程图、原型和规格说明文档。作为专业的原型设计工具</a:t>
-            </a:r>
-            <a:r>
-              <a:rPr lang="zh-CN" altLang="en-US" sz="3200" dirty="0" smtClean="0">
-                <a:latin typeface="+mn-ea"/>
-              </a:rPr>
-              <a:t>能</a:t>
-            </a:r>
-            <a:r>
-              <a:rPr lang="zh-CN" altLang="en-US" sz="3200" dirty="0">
-                <a:latin typeface="+mn-ea"/>
-              </a:rPr>
-              <a:t>快速、高效的创建原型，同时支持多人协作设计和版本控制</a:t>
-            </a:r>
-            <a:r>
-              <a:rPr lang="zh-CN" altLang="en-US" sz="3200" dirty="0" smtClean="0">
-                <a:latin typeface="+mn-ea"/>
-              </a:rPr>
-              <a:t>管理。</a:t>
-            </a:r>
-            <a:endParaRPr lang="en-US" altLang="zh-CN" sz="2000" dirty="0" smtClean="0">
+              <a:t>网站的线框图、流程图、原型和规格说明文档。作为专业的原型设计工具能快速、高效的创建原型，同时支持多人协作设计和版本控制管理。</a:t>
+            </a:r>
+            <a:endParaRPr lang="en-US" altLang="zh-CN" sz="2000" dirty="0">
               <a:latin typeface="+mn-ea"/>
             </a:endParaRPr>
           </a:p>
@@ -16411,13 +16280,6 @@
   <p:clrMapOvr>
     <a:masterClrMapping/>
   </p:clrMapOvr>
-  <p:timing>
-    <p:tnLst>
-      <p:par>
-        <p:cTn id="1" dur="indefinite" restart="never" nodeType="tmRoot"/>
-      </p:par>
-    </p:tnLst>
-  </p:timing>
 </p:sld>
 </file>
 
@@ -16706,10 +16568,9 @@
           <a:lstStyle/>
           <a:p>
             <a:r>
-              <a:rPr lang="zh-CN" altLang="en-US" sz="4400" b="0" dirty="0" smtClean="0"/>
+              <a:rPr lang="zh-CN" altLang="en-US" sz="4400" b="0" dirty="0"/>
               <a:t>界面</a:t>
             </a:r>
-            <a:endParaRPr lang="zh-CN" altLang="en-US" sz="4400" b="0" dirty="0"/>
           </a:p>
         </p:txBody>
       </p:sp>
@@ -16760,18 +16621,13 @@
           <a:lstStyle/>
           <a:p>
             <a:r>
-              <a:rPr lang="zh-CN" altLang="en-US" b="1" dirty="0" smtClean="0">
+              <a:rPr lang="zh-CN" altLang="en-US" b="1" dirty="0">
                 <a:solidFill>
                   <a:srgbClr val="FF0000"/>
                 </a:solidFill>
               </a:rPr>
               <a:t>主菜单和工具栏</a:t>
             </a:r>
-            <a:endParaRPr lang="zh-CN" altLang="en-US" b="1" dirty="0">
-              <a:solidFill>
-                <a:srgbClr val="FF0000"/>
-              </a:solidFill>
-            </a:endParaRPr>
           </a:p>
         </p:txBody>
       </p:sp>
@@ -16798,18 +16654,13 @@
           <a:lstStyle/>
           <a:p>
             <a:r>
-              <a:rPr lang="zh-CN" altLang="en-US" b="1" dirty="0" smtClean="0">
+              <a:rPr lang="zh-CN" altLang="en-US" b="1" dirty="0">
                 <a:solidFill>
                   <a:srgbClr val="FF0000"/>
                 </a:solidFill>
               </a:rPr>
               <a:t>页面</a:t>
             </a:r>
-            <a:endParaRPr lang="zh-CN" altLang="en-US" b="1" dirty="0">
-              <a:solidFill>
-                <a:srgbClr val="FF0000"/>
-              </a:solidFill>
-            </a:endParaRPr>
           </a:p>
         </p:txBody>
       </p:sp>
@@ -16836,18 +16687,13 @@
           <a:lstStyle/>
           <a:p>
             <a:r>
-              <a:rPr lang="zh-CN" altLang="en-US" b="1" dirty="0" smtClean="0">
+              <a:rPr lang="zh-CN" altLang="en-US" b="1" dirty="0">
                 <a:solidFill>
                   <a:srgbClr val="FF0000"/>
                 </a:solidFill>
               </a:rPr>
               <a:t>元件库</a:t>
             </a:r>
-            <a:endParaRPr lang="zh-CN" altLang="en-US" b="1" dirty="0">
-              <a:solidFill>
-                <a:srgbClr val="FF0000"/>
-              </a:solidFill>
-            </a:endParaRPr>
           </a:p>
         </p:txBody>
       </p:sp>
@@ -16874,18 +16720,13 @@
           <a:lstStyle/>
           <a:p>
             <a:r>
-              <a:rPr lang="zh-CN" altLang="en-US" b="1" dirty="0" smtClean="0">
+              <a:rPr lang="zh-CN" altLang="en-US" b="1" dirty="0">
                 <a:solidFill>
                   <a:srgbClr val="FF0000"/>
                 </a:solidFill>
               </a:rPr>
               <a:t>模块面板：自定义的模块</a:t>
             </a:r>
-            <a:endParaRPr lang="zh-CN" altLang="en-US" b="1" dirty="0">
-              <a:solidFill>
-                <a:srgbClr val="FF0000"/>
-              </a:solidFill>
-            </a:endParaRPr>
           </a:p>
         </p:txBody>
       </p:sp>
@@ -16912,14 +16753,14 @@
           <a:lstStyle/>
           <a:p>
             <a:r>
-              <a:rPr lang="zh-CN" altLang="en-US" b="1" dirty="0" smtClean="0">
+              <a:rPr lang="zh-CN" altLang="en-US" b="1" dirty="0">
                 <a:solidFill>
                   <a:srgbClr val="FF0000"/>
                 </a:solidFill>
               </a:rPr>
               <a:t>线框图工作区</a:t>
             </a:r>
-            <a:endParaRPr lang="en-US" altLang="zh-CN" b="1" dirty="0" smtClean="0">
+            <a:endParaRPr lang="en-US" altLang="zh-CN" b="1" dirty="0">
               <a:solidFill>
                 <a:srgbClr val="FF0000"/>
               </a:solidFill>
@@ -16950,14 +16791,14 @@
           <a:lstStyle/>
           <a:p>
             <a:r>
-              <a:rPr lang="zh-CN" altLang="en-US" b="1" dirty="0" smtClean="0">
+              <a:rPr lang="zh-CN" altLang="en-US" b="1" dirty="0">
                 <a:solidFill>
                   <a:srgbClr val="FF0000"/>
                 </a:solidFill>
               </a:rPr>
               <a:t>页面注释、属性、交互区</a:t>
             </a:r>
-            <a:endParaRPr lang="en-US" altLang="zh-CN" b="1" dirty="0" smtClean="0">
+            <a:endParaRPr lang="en-US" altLang="zh-CN" b="1" dirty="0">
               <a:solidFill>
                 <a:srgbClr val="FF0000"/>
               </a:solidFill>
@@ -16988,14 +16829,14 @@
           <a:lstStyle/>
           <a:p>
             <a:r>
-              <a:rPr lang="zh-CN" altLang="en-US" b="1" dirty="0" smtClean="0">
+              <a:rPr lang="zh-CN" altLang="en-US" b="1" dirty="0">
                 <a:solidFill>
                   <a:srgbClr val="FF0000"/>
                 </a:solidFill>
               </a:rPr>
               <a:t>页面上的元件</a:t>
             </a:r>
-            <a:endParaRPr lang="en-US" altLang="zh-CN" b="1" dirty="0" smtClean="0">
+            <a:endParaRPr lang="en-US" altLang="zh-CN" b="1" dirty="0">
               <a:solidFill>
                 <a:srgbClr val="FF0000"/>
               </a:solidFill>
@@ -17081,13 +16922,6 @@
   <p:clrMapOvr>
     <a:masterClrMapping/>
   </p:clrMapOvr>
-  <p:timing>
-    <p:tnLst>
-      <p:par>
-        <p:cTn id="1" dur="indefinite" restart="never" nodeType="tmRoot"/>
-      </p:par>
-    </p:tnLst>
-  </p:timing>
 </p:sld>
 </file>
 
